--- a/LinktList.pptx
+++ b/LinktList.pptx
@@ -11,6 +11,15 @@
     <p:sldId id="259" r:id="rId5"/>
     <p:sldId id="260" r:id="rId6"/>
     <p:sldId id="261" r:id="rId7"/>
+    <p:sldId id="262" r:id="rId8"/>
+    <p:sldId id="263" r:id="rId9"/>
+    <p:sldId id="264" r:id="rId10"/>
+    <p:sldId id="265" r:id="rId11"/>
+    <p:sldId id="266" r:id="rId12"/>
+    <p:sldId id="267" r:id="rId13"/>
+    <p:sldId id="268" r:id="rId14"/>
+    <p:sldId id="269" r:id="rId15"/>
+    <p:sldId id="270" r:id="rId16"/>
   </p:sldIdLst>
   <p:sldSz cx="12192000" cy="6858000"/>
   <p:notesSz cx="6858000" cy="9144000"/>
@@ -109,6 +118,11 @@
       </a:defRPr>
     </a:lvl9pPr>
   </p:defaultTextStyle>
+  <p:extLst>
+    <p:ext uri="{EFAFB233-063F-42B5-8137-9DF3F51BA10A}">
+      <p15:sldGuideLst xmlns:p15="http://schemas.microsoft.com/office/powerpoint/2012/main"/>
+    </p:ext>
+  </p:extLst>
 </p:presentation>
 </file>
 
@@ -4078,6 +4092,526 @@
 </p:sld>
 </file>
 
+<file path=ppt/slides/slide10.xml><?xml version="1.0" encoding="utf-8"?>
+<p:sld xmlns:a="http://schemas.openxmlformats.org/drawingml/2006/main" xmlns:r="http://schemas.openxmlformats.org/officeDocument/2006/relationships" xmlns:p="http://schemas.openxmlformats.org/presentationml/2006/main">
+  <p:cSld>
+    <p:spTree>
+      <p:nvGrpSpPr>
+        <p:cNvPr id="1" name=""/>
+        <p:cNvGrpSpPr/>
+        <p:nvPr/>
+      </p:nvGrpSpPr>
+      <p:grpSpPr>
+        <a:xfrm>
+          <a:off x="0" y="0"/>
+          <a:ext cx="0" cy="0"/>
+          <a:chOff x="0" y="0"/>
+          <a:chExt cx="0" cy="0"/>
+        </a:xfrm>
+      </p:grpSpPr>
+      <p:sp>
+        <p:nvSpPr>
+          <p:cNvPr id="2" name="Titel 1">
+            <a:extLst>
+              <a:ext uri="{FF2B5EF4-FFF2-40B4-BE49-F238E27FC236}">
+                <a16:creationId xmlns:a16="http://schemas.microsoft.com/office/drawing/2014/main" id="{479CC157-EE24-42D8-8DF4-33E67904026F}"/>
+              </a:ext>
+            </a:extLst>
+          </p:cNvPr>
+          <p:cNvSpPr>
+            <a:spLocks noGrp="1"/>
+          </p:cNvSpPr>
+          <p:nvPr>
+            <p:ph type="title"/>
+          </p:nvPr>
+        </p:nvSpPr>
+        <p:spPr>
+          <a:xfrm>
+            <a:off x="1097280" y="169871"/>
+            <a:ext cx="10058400" cy="1450757"/>
+          </a:xfrm>
+        </p:spPr>
+        <p:txBody>
+          <a:bodyPr/>
+          <a:lstStyle/>
+          <a:p>
+            <a:r>
+              <a:rPr lang="de-AT" dirty="0"/>
+              <a:t>Entfernen einer Datei am Anfang der Liste</a:t>
+            </a:r>
+          </a:p>
+        </p:txBody>
+      </p:sp>
+      <p:pic>
+        <p:nvPicPr>
+          <p:cNvPr id="5" name="Inhaltsplatzhalter 4">
+            <a:extLst>
+              <a:ext uri="{FF2B5EF4-FFF2-40B4-BE49-F238E27FC236}">
+                <a16:creationId xmlns:a16="http://schemas.microsoft.com/office/drawing/2014/main" id="{E6EF3682-AB98-4D05-865A-D361A1629001}"/>
+              </a:ext>
+            </a:extLst>
+          </p:cNvPr>
+          <p:cNvPicPr>
+            <a:picLocks noGrp="1" noChangeAspect="1"/>
+          </p:cNvPicPr>
+          <p:nvPr>
+            <p:ph idx="1"/>
+          </p:nvPr>
+        </p:nvPicPr>
+        <p:blipFill>
+          <a:blip r:embed="rId2"/>
+          <a:stretch>
+            <a:fillRect/>
+          </a:stretch>
+        </p:blipFill>
+        <p:spPr>
+          <a:xfrm>
+            <a:off x="844044" y="2268289"/>
+            <a:ext cx="10058400" cy="1427695"/>
+          </a:xfrm>
+        </p:spPr>
+      </p:pic>
+    </p:spTree>
+    <p:extLst>
+      <p:ext uri="{BB962C8B-B14F-4D97-AF65-F5344CB8AC3E}">
+        <p14:creationId xmlns:p14="http://schemas.microsoft.com/office/powerpoint/2010/main" val="3873134389"/>
+      </p:ext>
+    </p:extLst>
+  </p:cSld>
+  <p:clrMapOvr>
+    <a:masterClrMapping/>
+  </p:clrMapOvr>
+</p:sld>
+</file>
+
+<file path=ppt/slides/slide11.xml><?xml version="1.0" encoding="utf-8"?>
+<p:sld xmlns:a="http://schemas.openxmlformats.org/drawingml/2006/main" xmlns:r="http://schemas.openxmlformats.org/officeDocument/2006/relationships" xmlns:p="http://schemas.openxmlformats.org/presentationml/2006/main">
+  <p:cSld>
+    <p:spTree>
+      <p:nvGrpSpPr>
+        <p:cNvPr id="1" name=""/>
+        <p:cNvGrpSpPr/>
+        <p:nvPr/>
+      </p:nvGrpSpPr>
+      <p:grpSpPr>
+        <a:xfrm>
+          <a:off x="0" y="0"/>
+          <a:ext cx="0" cy="0"/>
+          <a:chOff x="0" y="0"/>
+          <a:chExt cx="0" cy="0"/>
+        </a:xfrm>
+      </p:grpSpPr>
+      <p:sp>
+        <p:nvSpPr>
+          <p:cNvPr id="2" name="Titel 1">
+            <a:extLst>
+              <a:ext uri="{FF2B5EF4-FFF2-40B4-BE49-F238E27FC236}">
+                <a16:creationId xmlns:a16="http://schemas.microsoft.com/office/drawing/2014/main" id="{FD089844-4437-456B-8246-5232EDCD19EA}"/>
+              </a:ext>
+            </a:extLst>
+          </p:cNvPr>
+          <p:cNvSpPr>
+            <a:spLocks noGrp="1"/>
+          </p:cNvSpPr>
+          <p:nvPr>
+            <p:ph type="title"/>
+          </p:nvPr>
+        </p:nvSpPr>
+        <p:spPr/>
+        <p:txBody>
+          <a:bodyPr/>
+          <a:lstStyle/>
+          <a:p>
+            <a:r>
+              <a:rPr lang="de-AT" dirty="0"/>
+              <a:t>Entfernen einer Datei am Anfang der Liste</a:t>
+            </a:r>
+          </a:p>
+        </p:txBody>
+      </p:sp>
+      <p:sp>
+        <p:nvSpPr>
+          <p:cNvPr id="3" name="Inhaltsplatzhalter 2">
+            <a:extLst>
+              <a:ext uri="{FF2B5EF4-FFF2-40B4-BE49-F238E27FC236}">
+                <a16:creationId xmlns:a16="http://schemas.microsoft.com/office/drawing/2014/main" id="{0F1A93FE-630A-4F28-9407-208501579300}"/>
+              </a:ext>
+            </a:extLst>
+          </p:cNvPr>
+          <p:cNvSpPr>
+            <a:spLocks noGrp="1"/>
+          </p:cNvSpPr>
+          <p:nvPr>
+            <p:ph idx="1"/>
+          </p:nvPr>
+        </p:nvSpPr>
+        <p:spPr/>
+        <p:txBody>
+          <a:bodyPr/>
+          <a:lstStyle/>
+          <a:p>
+            <a:endParaRPr lang="de-AT"/>
+          </a:p>
+        </p:txBody>
+      </p:sp>
+    </p:spTree>
+    <p:extLst>
+      <p:ext uri="{BB962C8B-B14F-4D97-AF65-F5344CB8AC3E}">
+        <p14:creationId xmlns:p14="http://schemas.microsoft.com/office/powerpoint/2010/main" val="216699116"/>
+      </p:ext>
+    </p:extLst>
+  </p:cSld>
+  <p:clrMapOvr>
+    <a:masterClrMapping/>
+  </p:clrMapOvr>
+</p:sld>
+</file>
+
+<file path=ppt/slides/slide12.xml><?xml version="1.0" encoding="utf-8"?>
+<p:sld xmlns:a="http://schemas.openxmlformats.org/drawingml/2006/main" xmlns:r="http://schemas.openxmlformats.org/officeDocument/2006/relationships" xmlns:p="http://schemas.openxmlformats.org/presentationml/2006/main">
+  <p:cSld>
+    <p:spTree>
+      <p:nvGrpSpPr>
+        <p:cNvPr id="1" name=""/>
+        <p:cNvGrpSpPr/>
+        <p:nvPr/>
+      </p:nvGrpSpPr>
+      <p:grpSpPr>
+        <a:xfrm>
+          <a:off x="0" y="0"/>
+          <a:ext cx="0" cy="0"/>
+          <a:chOff x="0" y="0"/>
+          <a:chExt cx="0" cy="0"/>
+        </a:xfrm>
+      </p:grpSpPr>
+      <p:sp>
+        <p:nvSpPr>
+          <p:cNvPr id="2" name="Titel 1">
+            <a:extLst>
+              <a:ext uri="{FF2B5EF4-FFF2-40B4-BE49-F238E27FC236}">
+                <a16:creationId xmlns:a16="http://schemas.microsoft.com/office/drawing/2014/main" id="{9E06985D-C343-44C1-A834-68883E09A3A1}"/>
+              </a:ext>
+            </a:extLst>
+          </p:cNvPr>
+          <p:cNvSpPr>
+            <a:spLocks noGrp="1"/>
+          </p:cNvSpPr>
+          <p:nvPr>
+            <p:ph type="title"/>
+          </p:nvPr>
+        </p:nvSpPr>
+        <p:spPr>
+          <a:xfrm>
+            <a:off x="1097280" y="169871"/>
+            <a:ext cx="10058400" cy="1450757"/>
+          </a:xfrm>
+        </p:spPr>
+        <p:txBody>
+          <a:bodyPr/>
+          <a:lstStyle/>
+          <a:p>
+            <a:r>
+              <a:rPr lang="de-AT" dirty="0"/>
+              <a:t>Entfernen der Letzten Datei der Liste</a:t>
+            </a:r>
+          </a:p>
+        </p:txBody>
+      </p:sp>
+      <p:pic>
+        <p:nvPicPr>
+          <p:cNvPr id="5" name="Inhaltsplatzhalter 4">
+            <a:extLst>
+              <a:ext uri="{FF2B5EF4-FFF2-40B4-BE49-F238E27FC236}">
+                <a16:creationId xmlns:a16="http://schemas.microsoft.com/office/drawing/2014/main" id="{AA9F14CB-E1B7-4F31-BFC9-06606784A6C1}"/>
+              </a:ext>
+            </a:extLst>
+          </p:cNvPr>
+          <p:cNvPicPr>
+            <a:picLocks noGrp="1" noChangeAspect="1"/>
+          </p:cNvPicPr>
+          <p:nvPr>
+            <p:ph idx="1"/>
+          </p:nvPr>
+        </p:nvPicPr>
+        <p:blipFill>
+          <a:blip r:embed="rId2"/>
+          <a:stretch>
+            <a:fillRect/>
+          </a:stretch>
+        </p:blipFill>
+        <p:spPr>
+          <a:xfrm>
+            <a:off x="960776" y="2045615"/>
+            <a:ext cx="10058400" cy="1211561"/>
+          </a:xfrm>
+        </p:spPr>
+      </p:pic>
+    </p:spTree>
+    <p:extLst>
+      <p:ext uri="{BB962C8B-B14F-4D97-AF65-F5344CB8AC3E}">
+        <p14:creationId xmlns:p14="http://schemas.microsoft.com/office/powerpoint/2010/main" val="2183807689"/>
+      </p:ext>
+    </p:extLst>
+  </p:cSld>
+  <p:clrMapOvr>
+    <a:masterClrMapping/>
+  </p:clrMapOvr>
+</p:sld>
+</file>
+
+<file path=ppt/slides/slide13.xml><?xml version="1.0" encoding="utf-8"?>
+<p:sld xmlns:a="http://schemas.openxmlformats.org/drawingml/2006/main" xmlns:r="http://schemas.openxmlformats.org/officeDocument/2006/relationships" xmlns:p="http://schemas.openxmlformats.org/presentationml/2006/main">
+  <p:cSld>
+    <p:spTree>
+      <p:nvGrpSpPr>
+        <p:cNvPr id="1" name=""/>
+        <p:cNvGrpSpPr/>
+        <p:nvPr/>
+      </p:nvGrpSpPr>
+      <p:grpSpPr>
+        <a:xfrm>
+          <a:off x="0" y="0"/>
+          <a:ext cx="0" cy="0"/>
+          <a:chOff x="0" y="0"/>
+          <a:chExt cx="0" cy="0"/>
+        </a:xfrm>
+      </p:grpSpPr>
+      <p:sp>
+        <p:nvSpPr>
+          <p:cNvPr id="2" name="Titel 1">
+            <a:extLst>
+              <a:ext uri="{FF2B5EF4-FFF2-40B4-BE49-F238E27FC236}">
+                <a16:creationId xmlns:a16="http://schemas.microsoft.com/office/drawing/2014/main" id="{A7B1A04F-0ADB-410B-A742-0A065CC9A4A9}"/>
+              </a:ext>
+            </a:extLst>
+          </p:cNvPr>
+          <p:cNvSpPr>
+            <a:spLocks noGrp="1"/>
+          </p:cNvSpPr>
+          <p:nvPr>
+            <p:ph type="title"/>
+          </p:nvPr>
+        </p:nvSpPr>
+        <p:spPr/>
+        <p:txBody>
+          <a:bodyPr/>
+          <a:lstStyle/>
+          <a:p>
+            <a:r>
+              <a:rPr lang="de-AT" dirty="0"/>
+              <a:t>Entfernen der Letzten Datei der Liste</a:t>
+            </a:r>
+          </a:p>
+        </p:txBody>
+      </p:sp>
+      <p:sp>
+        <p:nvSpPr>
+          <p:cNvPr id="3" name="Inhaltsplatzhalter 2">
+            <a:extLst>
+              <a:ext uri="{FF2B5EF4-FFF2-40B4-BE49-F238E27FC236}">
+                <a16:creationId xmlns:a16="http://schemas.microsoft.com/office/drawing/2014/main" id="{873BD0E5-B9CE-44A1-ACF5-A4649FB4AA23}"/>
+              </a:ext>
+            </a:extLst>
+          </p:cNvPr>
+          <p:cNvSpPr>
+            <a:spLocks noGrp="1"/>
+          </p:cNvSpPr>
+          <p:nvPr>
+            <p:ph idx="1"/>
+          </p:nvPr>
+        </p:nvSpPr>
+        <p:spPr/>
+        <p:txBody>
+          <a:bodyPr/>
+          <a:lstStyle/>
+          <a:p>
+            <a:endParaRPr lang="de-AT"/>
+          </a:p>
+        </p:txBody>
+      </p:sp>
+    </p:spTree>
+    <p:extLst>
+      <p:ext uri="{BB962C8B-B14F-4D97-AF65-F5344CB8AC3E}">
+        <p14:creationId xmlns:p14="http://schemas.microsoft.com/office/powerpoint/2010/main" val="3064542665"/>
+      </p:ext>
+    </p:extLst>
+  </p:cSld>
+  <p:clrMapOvr>
+    <a:masterClrMapping/>
+  </p:clrMapOvr>
+</p:sld>
+</file>
+
+<file path=ppt/slides/slide14.xml><?xml version="1.0" encoding="utf-8"?>
+<p:sld xmlns:a="http://schemas.openxmlformats.org/drawingml/2006/main" xmlns:r="http://schemas.openxmlformats.org/officeDocument/2006/relationships" xmlns:p="http://schemas.openxmlformats.org/presentationml/2006/main">
+  <p:cSld>
+    <p:spTree>
+      <p:nvGrpSpPr>
+        <p:cNvPr id="1" name=""/>
+        <p:cNvGrpSpPr/>
+        <p:nvPr/>
+      </p:nvGrpSpPr>
+      <p:grpSpPr>
+        <a:xfrm>
+          <a:off x="0" y="0"/>
+          <a:ext cx="0" cy="0"/>
+          <a:chOff x="0" y="0"/>
+          <a:chExt cx="0" cy="0"/>
+        </a:xfrm>
+      </p:grpSpPr>
+      <p:sp>
+        <p:nvSpPr>
+          <p:cNvPr id="2" name="Titel 1">
+            <a:extLst>
+              <a:ext uri="{FF2B5EF4-FFF2-40B4-BE49-F238E27FC236}">
+                <a16:creationId xmlns:a16="http://schemas.microsoft.com/office/drawing/2014/main" id="{08D8AF84-5692-4B38-9CB3-CFF8A706EE02}"/>
+              </a:ext>
+            </a:extLst>
+          </p:cNvPr>
+          <p:cNvSpPr>
+            <a:spLocks noGrp="1"/>
+          </p:cNvSpPr>
+          <p:nvPr>
+            <p:ph type="title"/>
+          </p:nvPr>
+        </p:nvSpPr>
+        <p:spPr/>
+        <p:txBody>
+          <a:bodyPr/>
+          <a:lstStyle/>
+          <a:p>
+            <a:r>
+              <a:rPr lang="de-AT" dirty="0"/>
+              <a:t>Entfernen irgendeiner Datei der Liste</a:t>
+            </a:r>
+          </a:p>
+        </p:txBody>
+      </p:sp>
+      <p:pic>
+        <p:nvPicPr>
+          <p:cNvPr id="5" name="Inhaltsplatzhalter 4">
+            <a:extLst>
+              <a:ext uri="{FF2B5EF4-FFF2-40B4-BE49-F238E27FC236}">
+                <a16:creationId xmlns:a16="http://schemas.microsoft.com/office/drawing/2014/main" id="{50D1E7DC-D911-4D23-B71C-DDE2D9B7709F}"/>
+              </a:ext>
+            </a:extLst>
+          </p:cNvPr>
+          <p:cNvPicPr>
+            <a:picLocks noGrp="1" noChangeAspect="1"/>
+          </p:cNvPicPr>
+          <p:nvPr>
+            <p:ph idx="1"/>
+          </p:nvPr>
+        </p:nvPicPr>
+        <p:blipFill>
+          <a:blip r:embed="rId2"/>
+          <a:stretch>
+            <a:fillRect/>
+          </a:stretch>
+        </p:blipFill>
+        <p:spPr>
+          <a:xfrm>
+            <a:off x="1066800" y="2530642"/>
+            <a:ext cx="10058400" cy="1796715"/>
+          </a:xfrm>
+        </p:spPr>
+      </p:pic>
+    </p:spTree>
+    <p:extLst>
+      <p:ext uri="{BB962C8B-B14F-4D97-AF65-F5344CB8AC3E}">
+        <p14:creationId xmlns:p14="http://schemas.microsoft.com/office/powerpoint/2010/main" val="2742594950"/>
+      </p:ext>
+    </p:extLst>
+  </p:cSld>
+  <p:clrMapOvr>
+    <a:masterClrMapping/>
+  </p:clrMapOvr>
+</p:sld>
+</file>
+
+<file path=ppt/slides/slide15.xml><?xml version="1.0" encoding="utf-8"?>
+<p:sld xmlns:a="http://schemas.openxmlformats.org/drawingml/2006/main" xmlns:r="http://schemas.openxmlformats.org/officeDocument/2006/relationships" xmlns:p="http://schemas.openxmlformats.org/presentationml/2006/main">
+  <p:cSld>
+    <p:spTree>
+      <p:nvGrpSpPr>
+        <p:cNvPr id="1" name=""/>
+        <p:cNvGrpSpPr/>
+        <p:nvPr/>
+      </p:nvGrpSpPr>
+      <p:grpSpPr>
+        <a:xfrm>
+          <a:off x="0" y="0"/>
+          <a:ext cx="0" cy="0"/>
+          <a:chOff x="0" y="0"/>
+          <a:chExt cx="0" cy="0"/>
+        </a:xfrm>
+      </p:grpSpPr>
+      <p:sp>
+        <p:nvSpPr>
+          <p:cNvPr id="2" name="Titel 1">
+            <a:extLst>
+              <a:ext uri="{FF2B5EF4-FFF2-40B4-BE49-F238E27FC236}">
+                <a16:creationId xmlns:a16="http://schemas.microsoft.com/office/drawing/2014/main" id="{9D4EE377-BF06-4EA1-A51D-FE9B35994972}"/>
+              </a:ext>
+            </a:extLst>
+          </p:cNvPr>
+          <p:cNvSpPr>
+            <a:spLocks noGrp="1"/>
+          </p:cNvSpPr>
+          <p:nvPr>
+            <p:ph type="title"/>
+          </p:nvPr>
+        </p:nvSpPr>
+        <p:spPr/>
+        <p:txBody>
+          <a:bodyPr/>
+          <a:lstStyle/>
+          <a:p>
+            <a:r>
+              <a:rPr lang="de-AT" dirty="0"/>
+              <a:t>Entfernen irgendeiner Datei der Liste</a:t>
+            </a:r>
+          </a:p>
+        </p:txBody>
+      </p:sp>
+      <p:sp>
+        <p:nvSpPr>
+          <p:cNvPr id="3" name="Inhaltsplatzhalter 2">
+            <a:extLst>
+              <a:ext uri="{FF2B5EF4-FFF2-40B4-BE49-F238E27FC236}">
+                <a16:creationId xmlns:a16="http://schemas.microsoft.com/office/drawing/2014/main" id="{DAE60079-CD82-42A5-85DF-81FDFC7C847E}"/>
+              </a:ext>
+            </a:extLst>
+          </p:cNvPr>
+          <p:cNvSpPr>
+            <a:spLocks noGrp="1"/>
+          </p:cNvSpPr>
+          <p:nvPr>
+            <p:ph idx="1"/>
+          </p:nvPr>
+        </p:nvSpPr>
+        <p:spPr/>
+        <p:txBody>
+          <a:bodyPr/>
+          <a:lstStyle/>
+          <a:p>
+            <a:endParaRPr lang="de-AT"/>
+          </a:p>
+        </p:txBody>
+      </p:sp>
+    </p:spTree>
+    <p:extLst>
+      <p:ext uri="{BB962C8B-B14F-4D97-AF65-F5344CB8AC3E}">
+        <p14:creationId xmlns:p14="http://schemas.microsoft.com/office/powerpoint/2010/main" val="1949736364"/>
+      </p:ext>
+    </p:extLst>
+  </p:cSld>
+  <p:clrMapOvr>
+    <a:masterClrMapping/>
+  </p:clrMapOvr>
+</p:sld>
+</file>
+
 <file path=ppt/slides/slide2.xml><?xml version="1.0" encoding="utf-8"?>
 <p:sld xmlns:a="http://schemas.openxmlformats.org/drawingml/2006/main" xmlns:r="http://schemas.openxmlformats.org/officeDocument/2006/relationships" xmlns:p="http://schemas.openxmlformats.org/presentationml/2006/main">
   <p:cSld>
@@ -4470,7 +5004,10 @@
           <a:bodyPr/>
           <a:lstStyle/>
           <a:p>
-            <a:endParaRPr lang="de-AT"/>
+            <a:r>
+              <a:rPr lang="de-AT" dirty="0"/>
+              <a:t>Einfügen einer weiteren Datei</a:t>
+            </a:r>
           </a:p>
         </p:txBody>
       </p:sp>
@@ -4503,6 +5040,259 @@
     <p:extLst>
       <p:ext uri="{BB962C8B-B14F-4D97-AF65-F5344CB8AC3E}">
         <p14:creationId xmlns:p14="http://schemas.microsoft.com/office/powerpoint/2010/main" val="4078460523"/>
+      </p:ext>
+    </p:extLst>
+  </p:cSld>
+  <p:clrMapOvr>
+    <a:masterClrMapping/>
+  </p:clrMapOvr>
+</p:sld>
+</file>
+
+<file path=ppt/slides/slide7.xml><?xml version="1.0" encoding="utf-8"?>
+<p:sld xmlns:a="http://schemas.openxmlformats.org/drawingml/2006/main" xmlns:r="http://schemas.openxmlformats.org/officeDocument/2006/relationships" xmlns:p="http://schemas.openxmlformats.org/presentationml/2006/main">
+  <p:cSld>
+    <p:spTree>
+      <p:nvGrpSpPr>
+        <p:cNvPr id="1" name=""/>
+        <p:cNvGrpSpPr/>
+        <p:nvPr/>
+      </p:nvGrpSpPr>
+      <p:grpSpPr>
+        <a:xfrm>
+          <a:off x="0" y="0"/>
+          <a:ext cx="0" cy="0"/>
+          <a:chOff x="0" y="0"/>
+          <a:chExt cx="0" cy="0"/>
+        </a:xfrm>
+      </p:grpSpPr>
+      <p:sp>
+        <p:nvSpPr>
+          <p:cNvPr id="2" name="Titel 1">
+            <a:extLst>
+              <a:ext uri="{FF2B5EF4-FFF2-40B4-BE49-F238E27FC236}">
+                <a16:creationId xmlns:a16="http://schemas.microsoft.com/office/drawing/2014/main" id="{0A445384-E386-4843-8BD8-BD86653F1395}"/>
+              </a:ext>
+            </a:extLst>
+          </p:cNvPr>
+          <p:cNvSpPr>
+            <a:spLocks noGrp="1"/>
+          </p:cNvSpPr>
+          <p:nvPr>
+            <p:ph type="title"/>
+          </p:nvPr>
+        </p:nvSpPr>
+        <p:spPr/>
+        <p:txBody>
+          <a:bodyPr/>
+          <a:lstStyle/>
+          <a:p>
+            <a:r>
+              <a:rPr lang="de-AT" dirty="0"/>
+              <a:t>Ausgabe aller daten der Liste</a:t>
+            </a:r>
+          </a:p>
+        </p:txBody>
+      </p:sp>
+      <p:sp>
+        <p:nvSpPr>
+          <p:cNvPr id="3" name="Inhaltsplatzhalter 2">
+            <a:extLst>
+              <a:ext uri="{FF2B5EF4-FFF2-40B4-BE49-F238E27FC236}">
+                <a16:creationId xmlns:a16="http://schemas.microsoft.com/office/drawing/2014/main" id="{288F3D40-1799-4D31-B1AB-8921EADF2081}"/>
+              </a:ext>
+            </a:extLst>
+          </p:cNvPr>
+          <p:cNvSpPr>
+            <a:spLocks noGrp="1"/>
+          </p:cNvSpPr>
+          <p:nvPr>
+            <p:ph idx="1"/>
+          </p:nvPr>
+        </p:nvSpPr>
+        <p:spPr/>
+        <p:txBody>
+          <a:bodyPr/>
+          <a:lstStyle/>
+          <a:p>
+            <a:endParaRPr lang="de-AT"/>
+          </a:p>
+        </p:txBody>
+      </p:sp>
+    </p:spTree>
+    <p:extLst>
+      <p:ext uri="{BB962C8B-B14F-4D97-AF65-F5344CB8AC3E}">
+        <p14:creationId xmlns:p14="http://schemas.microsoft.com/office/powerpoint/2010/main" val="2488152955"/>
+      </p:ext>
+    </p:extLst>
+  </p:cSld>
+  <p:clrMapOvr>
+    <a:masterClrMapping/>
+  </p:clrMapOvr>
+</p:sld>
+</file>
+
+<file path=ppt/slides/slide8.xml><?xml version="1.0" encoding="utf-8"?>
+<p:sld xmlns:a="http://schemas.openxmlformats.org/drawingml/2006/main" xmlns:r="http://schemas.openxmlformats.org/officeDocument/2006/relationships" xmlns:p="http://schemas.openxmlformats.org/presentationml/2006/main">
+  <p:cSld>
+    <p:spTree>
+      <p:nvGrpSpPr>
+        <p:cNvPr id="1" name=""/>
+        <p:cNvGrpSpPr/>
+        <p:nvPr/>
+      </p:nvGrpSpPr>
+      <p:grpSpPr>
+        <a:xfrm>
+          <a:off x="0" y="0"/>
+          <a:ext cx="0" cy="0"/>
+          <a:chOff x="0" y="0"/>
+          <a:chExt cx="0" cy="0"/>
+        </a:xfrm>
+      </p:grpSpPr>
+      <p:sp>
+        <p:nvSpPr>
+          <p:cNvPr id="2" name="Titel 1">
+            <a:extLst>
+              <a:ext uri="{FF2B5EF4-FFF2-40B4-BE49-F238E27FC236}">
+                <a16:creationId xmlns:a16="http://schemas.microsoft.com/office/drawing/2014/main" id="{53E353ED-1B44-4980-879A-A5077981A7A6}"/>
+              </a:ext>
+            </a:extLst>
+          </p:cNvPr>
+          <p:cNvSpPr>
+            <a:spLocks noGrp="1"/>
+          </p:cNvSpPr>
+          <p:nvPr>
+            <p:ph type="title"/>
+          </p:nvPr>
+        </p:nvSpPr>
+        <p:spPr/>
+        <p:txBody>
+          <a:bodyPr/>
+          <a:lstStyle/>
+          <a:p>
+            <a:r>
+              <a:rPr lang="de-AT" dirty="0"/>
+              <a:t>Einfügen einer Datei am Anfang der Liste</a:t>
+            </a:r>
+          </a:p>
+        </p:txBody>
+      </p:sp>
+      <p:pic>
+        <p:nvPicPr>
+          <p:cNvPr id="5" name="Inhaltsplatzhalter 4">
+            <a:extLst>
+              <a:ext uri="{FF2B5EF4-FFF2-40B4-BE49-F238E27FC236}">
+                <a16:creationId xmlns:a16="http://schemas.microsoft.com/office/drawing/2014/main" id="{4F24307F-0CDC-4836-ABBC-5AA9E0EC6C5E}"/>
+              </a:ext>
+            </a:extLst>
+          </p:cNvPr>
+          <p:cNvPicPr>
+            <a:picLocks noGrp="1" noChangeAspect="1"/>
+          </p:cNvPicPr>
+          <p:nvPr>
+            <p:ph idx="1"/>
+          </p:nvPr>
+        </p:nvPicPr>
+        <p:blipFill>
+          <a:blip r:embed="rId2"/>
+          <a:stretch>
+            <a:fillRect/>
+          </a:stretch>
+        </p:blipFill>
+        <p:spPr>
+          <a:xfrm>
+            <a:off x="1066800" y="2330204"/>
+            <a:ext cx="10058400" cy="1848614"/>
+          </a:xfrm>
+        </p:spPr>
+      </p:pic>
+    </p:spTree>
+    <p:extLst>
+      <p:ext uri="{BB962C8B-B14F-4D97-AF65-F5344CB8AC3E}">
+        <p14:creationId xmlns:p14="http://schemas.microsoft.com/office/powerpoint/2010/main" val="2205526130"/>
+      </p:ext>
+    </p:extLst>
+  </p:cSld>
+  <p:clrMapOvr>
+    <a:masterClrMapping/>
+  </p:clrMapOvr>
+</p:sld>
+</file>
+
+<file path=ppt/slides/slide9.xml><?xml version="1.0" encoding="utf-8"?>
+<p:sld xmlns:a="http://schemas.openxmlformats.org/drawingml/2006/main" xmlns:r="http://schemas.openxmlformats.org/officeDocument/2006/relationships" xmlns:p="http://schemas.openxmlformats.org/presentationml/2006/main">
+  <p:cSld>
+    <p:spTree>
+      <p:nvGrpSpPr>
+        <p:cNvPr id="1" name=""/>
+        <p:cNvGrpSpPr/>
+        <p:nvPr/>
+      </p:nvGrpSpPr>
+      <p:grpSpPr>
+        <a:xfrm>
+          <a:off x="0" y="0"/>
+          <a:ext cx="0" cy="0"/>
+          <a:chOff x="0" y="0"/>
+          <a:chExt cx="0" cy="0"/>
+        </a:xfrm>
+      </p:grpSpPr>
+      <p:sp>
+        <p:nvSpPr>
+          <p:cNvPr id="2" name="Titel 1">
+            <a:extLst>
+              <a:ext uri="{FF2B5EF4-FFF2-40B4-BE49-F238E27FC236}">
+                <a16:creationId xmlns:a16="http://schemas.microsoft.com/office/drawing/2014/main" id="{075C961E-CF5F-48AD-9FA1-054B9C3D8717}"/>
+              </a:ext>
+            </a:extLst>
+          </p:cNvPr>
+          <p:cNvSpPr>
+            <a:spLocks noGrp="1"/>
+          </p:cNvSpPr>
+          <p:nvPr>
+            <p:ph type="title"/>
+          </p:nvPr>
+        </p:nvSpPr>
+        <p:spPr/>
+        <p:txBody>
+          <a:bodyPr/>
+          <a:lstStyle/>
+          <a:p>
+            <a:r>
+              <a:rPr lang="de-AT" dirty="0"/>
+              <a:t>Einfügen einer Datei am Anfang der Liste</a:t>
+            </a:r>
+          </a:p>
+        </p:txBody>
+      </p:sp>
+      <p:sp>
+        <p:nvSpPr>
+          <p:cNvPr id="3" name="Inhaltsplatzhalter 2">
+            <a:extLst>
+              <a:ext uri="{FF2B5EF4-FFF2-40B4-BE49-F238E27FC236}">
+                <a16:creationId xmlns:a16="http://schemas.microsoft.com/office/drawing/2014/main" id="{EDF36AB4-CBF4-47F6-ACEC-F8E4DEBB9D02}"/>
+              </a:ext>
+            </a:extLst>
+          </p:cNvPr>
+          <p:cNvSpPr>
+            <a:spLocks noGrp="1"/>
+          </p:cNvSpPr>
+          <p:nvPr>
+            <p:ph idx="1"/>
+          </p:nvPr>
+        </p:nvSpPr>
+        <p:spPr/>
+        <p:txBody>
+          <a:bodyPr/>
+          <a:lstStyle/>
+          <a:p>
+            <a:endParaRPr lang="de-AT"/>
+          </a:p>
+        </p:txBody>
+      </p:sp>
+    </p:spTree>
+    <p:extLst>
+      <p:ext uri="{BB962C8B-B14F-4D97-AF65-F5344CB8AC3E}">
+        <p14:creationId xmlns:p14="http://schemas.microsoft.com/office/powerpoint/2010/main" val="1415416745"/>
       </p:ext>
     </p:extLst>
   </p:cSld>

--- a/LinktList.pptx
+++ b/LinktList.pptx
@@ -5011,31 +5011,35 @@
           </a:p>
         </p:txBody>
       </p:sp>
-      <p:sp>
-        <p:nvSpPr>
-          <p:cNvPr id="3" name="Inhaltsplatzhalter 2">
+      <p:pic>
+        <p:nvPicPr>
+          <p:cNvPr id="5" name="Inhaltsplatzhalter 4">
             <a:extLst>
               <a:ext uri="{FF2B5EF4-FFF2-40B4-BE49-F238E27FC236}">
-                <a16:creationId xmlns:a16="http://schemas.microsoft.com/office/drawing/2014/main" id="{EDFB1471-2B2F-4A3F-AFA5-16A62F855377}"/>
+                <a16:creationId xmlns:a16="http://schemas.microsoft.com/office/drawing/2014/main" id="{5D68CFA6-B139-4A9F-9A29-29DB0F1D8B1C}"/>
               </a:ext>
             </a:extLst>
           </p:cNvPr>
-          <p:cNvSpPr>
-            <a:spLocks noGrp="1"/>
-          </p:cNvSpPr>
+          <p:cNvPicPr>
+            <a:picLocks noGrp="1" noChangeAspect="1"/>
+          </p:cNvPicPr>
           <p:nvPr>
             <p:ph idx="1"/>
           </p:nvPr>
-        </p:nvSpPr>
-        <p:spPr/>
-        <p:txBody>
-          <a:bodyPr/>
-          <a:lstStyle/>
-          <a:p>
-            <a:endParaRPr lang="de-AT"/>
-          </a:p>
-        </p:txBody>
-      </p:sp>
+        </p:nvPicPr>
+        <p:blipFill>
+          <a:blip r:embed="rId2"/>
+          <a:stretch>
+            <a:fillRect/>
+          </a:stretch>
+        </p:blipFill>
+        <p:spPr>
+          <a:xfrm>
+            <a:off x="1240649" y="1925976"/>
+            <a:ext cx="5772994" cy="3928554"/>
+          </a:xfrm>
+        </p:spPr>
+      </p:pic>
     </p:spTree>
     <p:extLst>
       <p:ext uri="{BB962C8B-B14F-4D97-AF65-F5344CB8AC3E}">
@@ -5094,31 +5098,35 @@
           </a:p>
         </p:txBody>
       </p:sp>
-      <p:sp>
-        <p:nvSpPr>
-          <p:cNvPr id="3" name="Inhaltsplatzhalter 2">
+      <p:pic>
+        <p:nvPicPr>
+          <p:cNvPr id="5" name="Inhaltsplatzhalter 4">
             <a:extLst>
               <a:ext uri="{FF2B5EF4-FFF2-40B4-BE49-F238E27FC236}">
-                <a16:creationId xmlns:a16="http://schemas.microsoft.com/office/drawing/2014/main" id="{288F3D40-1799-4D31-B1AB-8921EADF2081}"/>
+                <a16:creationId xmlns:a16="http://schemas.microsoft.com/office/drawing/2014/main" id="{EABA4321-501C-4D2F-9F3C-3007D56748D4}"/>
               </a:ext>
             </a:extLst>
           </p:cNvPr>
-          <p:cNvSpPr>
-            <a:spLocks noGrp="1"/>
-          </p:cNvSpPr>
+          <p:cNvPicPr>
+            <a:picLocks noGrp="1" noChangeAspect="1"/>
+          </p:cNvPicPr>
           <p:nvPr>
             <p:ph idx="1"/>
           </p:nvPr>
-        </p:nvSpPr>
-        <p:spPr/>
-        <p:txBody>
-          <a:bodyPr/>
-          <a:lstStyle/>
-          <a:p>
-            <a:endParaRPr lang="de-AT"/>
-          </a:p>
-        </p:txBody>
-      </p:sp>
+        </p:nvPicPr>
+        <p:blipFill>
+          <a:blip r:embed="rId2"/>
+          <a:stretch>
+            <a:fillRect/>
+          </a:stretch>
+        </p:blipFill>
+        <p:spPr>
+          <a:xfrm>
+            <a:off x="1906622" y="1957702"/>
+            <a:ext cx="6441501" cy="2942595"/>
+          </a:xfrm>
+        </p:spPr>
+      </p:pic>
     </p:spTree>
     <p:extLst>
       <p:ext uri="{BB962C8B-B14F-4D97-AF65-F5344CB8AC3E}">

--- a/LinktList.pptx
+++ b/LinktList.pptx
@@ -3927,6 +3927,11 @@
               </a:rPr>
               <a:t>Linkt List</a:t>
             </a:r>
+            <a:endParaRPr lang="de-AT" dirty="0">
+              <a:solidFill>
+                <a:schemeClr val="tx2"/>
+              </a:solidFill>
+            </a:endParaRPr>
           </a:p>
         </p:txBody>
       </p:sp>

--- a/LinktList.pptx
+++ b/LinktList.pptx
@@ -1,9 +1,12 @@
 
 <file path=ppt/presentation.xml><?xml version="1.0" encoding="utf-8"?>
-<p:presentation xmlns:a="http://schemas.openxmlformats.org/drawingml/2006/main" xmlns:r="http://schemas.openxmlformats.org/officeDocument/2006/relationships" xmlns:p="http://schemas.openxmlformats.org/presentationml/2006/main" saveSubsetFonts="1">
+<p:presentation xmlns:a="http://schemas.openxmlformats.org/drawingml/2006/main" xmlns:r="http://schemas.openxmlformats.org/officeDocument/2006/relationships" xmlns:p="http://schemas.openxmlformats.org/presentationml/2006/main" showSpecialPlsOnTitleSld="0" saveSubsetFonts="1">
   <p:sldMasterIdLst>
     <p:sldMasterId id="2147483660" r:id="rId1"/>
   </p:sldMasterIdLst>
+  <p:notesMasterIdLst>
+    <p:notesMasterId r:id="rId17"/>
+  </p:notesMasterIdLst>
   <p:sldIdLst>
     <p:sldId id="256" r:id="rId2"/>
     <p:sldId id="257" r:id="rId3"/>
@@ -126,6 +129,356 @@
 </p:presentation>
 </file>
 
+<file path=ppt/notesMasters/notesMaster1.xml><?xml version="1.0" encoding="utf-8"?>
+<p:notesMaster xmlns:a="http://schemas.openxmlformats.org/drawingml/2006/main" xmlns:r="http://schemas.openxmlformats.org/officeDocument/2006/relationships" xmlns:p="http://schemas.openxmlformats.org/presentationml/2006/main">
+  <p:cSld>
+    <p:bg>
+      <p:bgRef idx="1001">
+        <a:schemeClr val="bg1"/>
+      </p:bgRef>
+    </p:bg>
+    <p:spTree>
+      <p:nvGrpSpPr>
+        <p:cNvPr id="1" name=""/>
+        <p:cNvGrpSpPr/>
+        <p:nvPr/>
+      </p:nvGrpSpPr>
+      <p:grpSpPr>
+        <a:xfrm>
+          <a:off x="0" y="0"/>
+          <a:ext cx="0" cy="0"/>
+          <a:chOff x="0" y="0"/>
+          <a:chExt cx="0" cy="0"/>
+        </a:xfrm>
+      </p:grpSpPr>
+      <p:sp>
+        <p:nvSpPr>
+          <p:cNvPr id="2" name="Kopfzeilenplatzhalter 1"/>
+          <p:cNvSpPr>
+            <a:spLocks noGrp="1"/>
+          </p:cNvSpPr>
+          <p:nvPr>
+            <p:ph type="hdr" sz="quarter"/>
+          </p:nvPr>
+        </p:nvSpPr>
+        <p:spPr>
+          <a:xfrm>
+            <a:off x="0" y="0"/>
+            <a:ext cx="2971800" cy="458788"/>
+          </a:xfrm>
+          <a:prstGeom prst="rect">
+            <a:avLst/>
+          </a:prstGeom>
+        </p:spPr>
+        <p:txBody>
+          <a:bodyPr vert="horz" lIns="91440" tIns="45720" rIns="91440" bIns="45720" rtlCol="0"/>
+          <a:lstStyle>
+            <a:lvl1pPr algn="l">
+              <a:defRPr sz="1200"/>
+            </a:lvl1pPr>
+          </a:lstStyle>
+          <a:p>
+            <a:endParaRPr lang="de-AT"/>
+          </a:p>
+        </p:txBody>
+      </p:sp>
+      <p:sp>
+        <p:nvSpPr>
+          <p:cNvPr id="3" name="Datumsplatzhalter 2"/>
+          <p:cNvSpPr>
+            <a:spLocks noGrp="1"/>
+          </p:cNvSpPr>
+          <p:nvPr>
+            <p:ph type="dt" idx="1"/>
+          </p:nvPr>
+        </p:nvSpPr>
+        <p:spPr>
+          <a:xfrm>
+            <a:off x="3884613" y="0"/>
+            <a:ext cx="2971800" cy="458788"/>
+          </a:xfrm>
+          <a:prstGeom prst="rect">
+            <a:avLst/>
+          </a:prstGeom>
+        </p:spPr>
+        <p:txBody>
+          <a:bodyPr vert="horz" lIns="91440" tIns="45720" rIns="91440" bIns="45720" rtlCol="0"/>
+          <a:lstStyle>
+            <a:lvl1pPr algn="r">
+              <a:defRPr sz="1200"/>
+            </a:lvl1pPr>
+          </a:lstStyle>
+          <a:p>
+            <a:fld id="{4DE8F1EC-6243-4C01-BBA9-680144528C74}" type="datetimeFigureOut">
+              <a:rPr lang="de-AT" smtClean="0"/>
+              <a:t>26.04.2022</a:t>
+            </a:fld>
+            <a:endParaRPr lang="de-AT"/>
+          </a:p>
+        </p:txBody>
+      </p:sp>
+      <p:sp>
+        <p:nvSpPr>
+          <p:cNvPr id="4" name="Folienbildplatzhalter 3"/>
+          <p:cNvSpPr>
+            <a:spLocks noGrp="1" noRot="1" noChangeAspect="1"/>
+          </p:cNvSpPr>
+          <p:nvPr>
+            <p:ph type="sldImg" idx="2"/>
+          </p:nvPr>
+        </p:nvSpPr>
+        <p:spPr>
+          <a:xfrm>
+            <a:off x="685800" y="1143000"/>
+            <a:ext cx="5486400" cy="3086100"/>
+          </a:xfrm>
+          <a:prstGeom prst="rect">
+            <a:avLst/>
+          </a:prstGeom>
+          <a:noFill/>
+          <a:ln w="12700">
+            <a:solidFill>
+              <a:prstClr val="black"/>
+            </a:solidFill>
+          </a:ln>
+        </p:spPr>
+        <p:txBody>
+          <a:bodyPr vert="horz" lIns="91440" tIns="45720" rIns="91440" bIns="45720" rtlCol="0" anchor="ctr"/>
+          <a:lstStyle/>
+          <a:p>
+            <a:endParaRPr lang="de-AT"/>
+          </a:p>
+        </p:txBody>
+      </p:sp>
+      <p:sp>
+        <p:nvSpPr>
+          <p:cNvPr id="5" name="Notizenplatzhalter 4"/>
+          <p:cNvSpPr>
+            <a:spLocks noGrp="1"/>
+          </p:cNvSpPr>
+          <p:nvPr>
+            <p:ph type="body" sz="quarter" idx="3"/>
+          </p:nvPr>
+        </p:nvSpPr>
+        <p:spPr>
+          <a:xfrm>
+            <a:off x="685800" y="4400550"/>
+            <a:ext cx="5486400" cy="3600450"/>
+          </a:xfrm>
+          <a:prstGeom prst="rect">
+            <a:avLst/>
+          </a:prstGeom>
+        </p:spPr>
+        <p:txBody>
+          <a:bodyPr vert="horz" lIns="91440" tIns="45720" rIns="91440" bIns="45720" rtlCol="0"/>
+          <a:lstStyle/>
+          <a:p>
+            <a:pPr lvl="0"/>
+            <a:r>
+              <a:rPr lang="de-DE"/>
+              <a:t>Mastertextformat bearbeiten</a:t>
+            </a:r>
+          </a:p>
+          <a:p>
+            <a:pPr lvl="1"/>
+            <a:r>
+              <a:rPr lang="de-DE"/>
+              <a:t>Zweite Ebene</a:t>
+            </a:r>
+          </a:p>
+          <a:p>
+            <a:pPr lvl="2"/>
+            <a:r>
+              <a:rPr lang="de-DE"/>
+              <a:t>Dritte Ebene</a:t>
+            </a:r>
+          </a:p>
+          <a:p>
+            <a:pPr lvl="3"/>
+            <a:r>
+              <a:rPr lang="de-DE"/>
+              <a:t>Vierte Ebene</a:t>
+            </a:r>
+          </a:p>
+          <a:p>
+            <a:pPr lvl="4"/>
+            <a:r>
+              <a:rPr lang="de-DE"/>
+              <a:t>Fünfte Ebene</a:t>
+            </a:r>
+            <a:endParaRPr lang="de-AT"/>
+          </a:p>
+        </p:txBody>
+      </p:sp>
+      <p:sp>
+        <p:nvSpPr>
+          <p:cNvPr id="6" name="Fußzeilenplatzhalter 5"/>
+          <p:cNvSpPr>
+            <a:spLocks noGrp="1"/>
+          </p:cNvSpPr>
+          <p:nvPr>
+            <p:ph type="ftr" sz="quarter" idx="4"/>
+          </p:nvPr>
+        </p:nvSpPr>
+        <p:spPr>
+          <a:xfrm>
+            <a:off x="0" y="8685213"/>
+            <a:ext cx="2971800" cy="458787"/>
+          </a:xfrm>
+          <a:prstGeom prst="rect">
+            <a:avLst/>
+          </a:prstGeom>
+        </p:spPr>
+        <p:txBody>
+          <a:bodyPr vert="horz" lIns="91440" tIns="45720" rIns="91440" bIns="45720" rtlCol="0" anchor="b"/>
+          <a:lstStyle>
+            <a:lvl1pPr algn="l">
+              <a:defRPr sz="1200"/>
+            </a:lvl1pPr>
+          </a:lstStyle>
+          <a:p>
+            <a:endParaRPr lang="de-AT"/>
+          </a:p>
+        </p:txBody>
+      </p:sp>
+      <p:sp>
+        <p:nvSpPr>
+          <p:cNvPr id="7" name="Foliennummernplatzhalter 6"/>
+          <p:cNvSpPr>
+            <a:spLocks noGrp="1"/>
+          </p:cNvSpPr>
+          <p:nvPr>
+            <p:ph type="sldNum" sz="quarter" idx="5"/>
+          </p:nvPr>
+        </p:nvSpPr>
+        <p:spPr>
+          <a:xfrm>
+            <a:off x="3884613" y="8685213"/>
+            <a:ext cx="2971800" cy="458787"/>
+          </a:xfrm>
+          <a:prstGeom prst="rect">
+            <a:avLst/>
+          </a:prstGeom>
+        </p:spPr>
+        <p:txBody>
+          <a:bodyPr vert="horz" lIns="91440" tIns="45720" rIns="91440" bIns="45720" rtlCol="0" anchor="b"/>
+          <a:lstStyle>
+            <a:lvl1pPr algn="r">
+              <a:defRPr sz="1200"/>
+            </a:lvl1pPr>
+          </a:lstStyle>
+          <a:p>
+            <a:fld id="{37ABE88C-1AD0-40CD-9E90-C4B3E7BFE677}" type="slidenum">
+              <a:rPr lang="de-AT" smtClean="0"/>
+              <a:t>‹Nr.›</a:t>
+            </a:fld>
+            <a:endParaRPr lang="de-AT"/>
+          </a:p>
+        </p:txBody>
+      </p:sp>
+    </p:spTree>
+    <p:extLst>
+      <p:ext uri="{BB962C8B-B14F-4D97-AF65-F5344CB8AC3E}">
+        <p14:creationId xmlns:p14="http://schemas.microsoft.com/office/powerpoint/2010/main" val="399867188"/>
+      </p:ext>
+    </p:extLst>
+  </p:cSld>
+  <p:clrMap bg1="lt1" tx1="dk1" bg2="lt2" tx2="dk2" accent1="accent1" accent2="accent2" accent3="accent3" accent4="accent4" accent5="accent5" accent6="accent6" hlink="hlink" folHlink="folHlink"/>
+  <p:notesStyle>
+    <a:lvl1pPr marL="0" algn="l" defTabSz="914400" rtl="0" eaLnBrk="1" latinLnBrk="0" hangingPunct="1">
+      <a:defRPr sz="1200" kern="1200">
+        <a:solidFill>
+          <a:schemeClr val="tx1"/>
+        </a:solidFill>
+        <a:latin typeface="+mn-lt"/>
+        <a:ea typeface="+mn-ea"/>
+        <a:cs typeface="+mn-cs"/>
+      </a:defRPr>
+    </a:lvl1pPr>
+    <a:lvl2pPr marL="457200" algn="l" defTabSz="914400" rtl="0" eaLnBrk="1" latinLnBrk="0" hangingPunct="1">
+      <a:defRPr sz="1200" kern="1200">
+        <a:solidFill>
+          <a:schemeClr val="tx1"/>
+        </a:solidFill>
+        <a:latin typeface="+mn-lt"/>
+        <a:ea typeface="+mn-ea"/>
+        <a:cs typeface="+mn-cs"/>
+      </a:defRPr>
+    </a:lvl2pPr>
+    <a:lvl3pPr marL="914400" algn="l" defTabSz="914400" rtl="0" eaLnBrk="1" latinLnBrk="0" hangingPunct="1">
+      <a:defRPr sz="1200" kern="1200">
+        <a:solidFill>
+          <a:schemeClr val="tx1"/>
+        </a:solidFill>
+        <a:latin typeface="+mn-lt"/>
+        <a:ea typeface="+mn-ea"/>
+        <a:cs typeface="+mn-cs"/>
+      </a:defRPr>
+    </a:lvl3pPr>
+    <a:lvl4pPr marL="1371600" algn="l" defTabSz="914400" rtl="0" eaLnBrk="1" latinLnBrk="0" hangingPunct="1">
+      <a:defRPr sz="1200" kern="1200">
+        <a:solidFill>
+          <a:schemeClr val="tx1"/>
+        </a:solidFill>
+        <a:latin typeface="+mn-lt"/>
+        <a:ea typeface="+mn-ea"/>
+        <a:cs typeface="+mn-cs"/>
+      </a:defRPr>
+    </a:lvl4pPr>
+    <a:lvl5pPr marL="1828800" algn="l" defTabSz="914400" rtl="0" eaLnBrk="1" latinLnBrk="0" hangingPunct="1">
+      <a:defRPr sz="1200" kern="1200">
+        <a:solidFill>
+          <a:schemeClr val="tx1"/>
+        </a:solidFill>
+        <a:latin typeface="+mn-lt"/>
+        <a:ea typeface="+mn-ea"/>
+        <a:cs typeface="+mn-cs"/>
+      </a:defRPr>
+    </a:lvl5pPr>
+    <a:lvl6pPr marL="2286000" algn="l" defTabSz="914400" rtl="0" eaLnBrk="1" latinLnBrk="0" hangingPunct="1">
+      <a:defRPr sz="1200" kern="1200">
+        <a:solidFill>
+          <a:schemeClr val="tx1"/>
+        </a:solidFill>
+        <a:latin typeface="+mn-lt"/>
+        <a:ea typeface="+mn-ea"/>
+        <a:cs typeface="+mn-cs"/>
+      </a:defRPr>
+    </a:lvl6pPr>
+    <a:lvl7pPr marL="2743200" algn="l" defTabSz="914400" rtl="0" eaLnBrk="1" latinLnBrk="0" hangingPunct="1">
+      <a:defRPr sz="1200" kern="1200">
+        <a:solidFill>
+          <a:schemeClr val="tx1"/>
+        </a:solidFill>
+        <a:latin typeface="+mn-lt"/>
+        <a:ea typeface="+mn-ea"/>
+        <a:cs typeface="+mn-cs"/>
+      </a:defRPr>
+    </a:lvl7pPr>
+    <a:lvl8pPr marL="3200400" algn="l" defTabSz="914400" rtl="0" eaLnBrk="1" latinLnBrk="0" hangingPunct="1">
+      <a:defRPr sz="1200" kern="1200">
+        <a:solidFill>
+          <a:schemeClr val="tx1"/>
+        </a:solidFill>
+        <a:latin typeface="+mn-lt"/>
+        <a:ea typeface="+mn-ea"/>
+        <a:cs typeface="+mn-cs"/>
+      </a:defRPr>
+    </a:lvl8pPr>
+    <a:lvl9pPr marL="3657600" algn="l" defTabSz="914400" rtl="0" eaLnBrk="1" latinLnBrk="0" hangingPunct="1">
+      <a:defRPr sz="1200" kern="1200">
+        <a:solidFill>
+          <a:schemeClr val="tx1"/>
+        </a:solidFill>
+        <a:latin typeface="+mn-lt"/>
+        <a:ea typeface="+mn-ea"/>
+        <a:cs typeface="+mn-cs"/>
+      </a:defRPr>
+    </a:lvl9pPr>
+  </p:notesStyle>
+</p:notesMaster>
+</file>
+
 <file path=ppt/slideLayouts/slideLayout1.xml><?xml version="1.0" encoding="utf-8"?>
 <p:sldLayout xmlns:a="http://schemas.openxmlformats.org/drawingml/2006/main" xmlns:r="http://schemas.openxmlformats.org/officeDocument/2006/relationships" xmlns:p="http://schemas.openxmlformats.org/presentationml/2006/main" showMasterSp="0" type="title" preserve="1">
   <p:cSld name="Titelfolie">
@@ -350,7 +703,7 @@
           <a:bodyPr/>
           <a:lstStyle/>
           <a:p>
-            <a:fld id="{48D4AA5A-4D7E-4AB4-91EA-8EB296FFD479}" type="datetimeFigureOut">
+            <a:fld id="{4D231201-DB20-4F0B-A791-0DC91272005A}" type="datetime1">
               <a:rPr lang="de-AT" smtClean="0"/>
               <a:t>26.04.2022</a:t>
             </a:fld>
@@ -373,7 +726,10 @@
           <a:bodyPr/>
           <a:lstStyle/>
           <a:p>
-            <a:endParaRPr lang="de-AT"/>
+            <a:r>
+              <a:rPr lang="de-AT"/>
+              <a:t>Lorenz Kasieczka/Paul Krenmayr</a:t>
+            </a:r>
           </a:p>
         </p:txBody>
       </p:sp>
@@ -558,7 +914,7 @@
           <a:bodyPr/>
           <a:lstStyle/>
           <a:p>
-            <a:fld id="{48D4AA5A-4D7E-4AB4-91EA-8EB296FFD479}" type="datetimeFigureOut">
+            <a:fld id="{61C0C1B8-FA19-4DB7-B2ED-AF28A8A890C7}" type="datetime1">
               <a:rPr lang="de-AT" smtClean="0"/>
               <a:t>26.04.2022</a:t>
             </a:fld>
@@ -581,7 +937,10 @@
           <a:bodyPr/>
           <a:lstStyle/>
           <a:p>
-            <a:endParaRPr lang="de-AT"/>
+            <a:r>
+              <a:rPr lang="de-AT"/>
+              <a:t>Lorenz Kasieczka/Paul Krenmayr</a:t>
+            </a:r>
           </a:p>
         </p:txBody>
       </p:sp>
@@ -814,7 +1173,7 @@
           <a:bodyPr/>
           <a:lstStyle/>
           <a:p>
-            <a:fld id="{48D4AA5A-4D7E-4AB4-91EA-8EB296FFD479}" type="datetimeFigureOut">
+            <a:fld id="{081E1831-119A-4ABD-B137-126DF1E1A543}" type="datetime1">
               <a:rPr lang="de-AT" smtClean="0"/>
               <a:t>26.04.2022</a:t>
             </a:fld>
@@ -837,7 +1196,10 @@
           <a:bodyPr/>
           <a:lstStyle/>
           <a:p>
-            <a:endParaRPr lang="de-AT"/>
+            <a:r>
+              <a:rPr lang="de-AT"/>
+              <a:t>Lorenz Kasieczka/Paul Krenmayr</a:t>
+            </a:r>
           </a:p>
         </p:txBody>
       </p:sp>
@@ -988,7 +1350,7 @@
           <a:bodyPr/>
           <a:lstStyle/>
           <a:p>
-            <a:fld id="{48D4AA5A-4D7E-4AB4-91EA-8EB296FFD479}" type="datetimeFigureOut">
+            <a:fld id="{E44AFEC0-BDEE-49D0-AC55-3454BA8F8ED0}" type="datetime1">
               <a:rPr lang="de-AT" smtClean="0"/>
               <a:t>26.04.2022</a:t>
             </a:fld>
@@ -1011,7 +1373,10 @@
           <a:bodyPr/>
           <a:lstStyle/>
           <a:p>
-            <a:endParaRPr lang="de-AT"/>
+            <a:r>
+              <a:rPr lang="de-AT"/>
+              <a:t>Lorenz Kasieczka/Paul Krenmayr</a:t>
+            </a:r>
           </a:p>
         </p:txBody>
       </p:sp>
@@ -1331,7 +1696,7 @@
           <a:bodyPr/>
           <a:lstStyle/>
           <a:p>
-            <a:fld id="{48D4AA5A-4D7E-4AB4-91EA-8EB296FFD479}" type="datetimeFigureOut">
+            <a:fld id="{8A1E3210-8ED0-4220-AB5D-4CD2CA9ABC87}" type="datetime1">
               <a:rPr lang="de-AT" smtClean="0"/>
               <a:t>26.04.2022</a:t>
             </a:fld>
@@ -1354,7 +1719,10 @@
           <a:bodyPr/>
           <a:lstStyle/>
           <a:p>
-            <a:endParaRPr lang="de-AT"/>
+            <a:r>
+              <a:rPr lang="de-AT"/>
+              <a:t>Lorenz Kasieczka/Paul Krenmayr</a:t>
+            </a:r>
           </a:p>
         </p:txBody>
       </p:sp>
@@ -1606,7 +1974,7 @@
           <a:bodyPr/>
           <a:lstStyle/>
           <a:p>
-            <a:fld id="{48D4AA5A-4D7E-4AB4-91EA-8EB296FFD479}" type="datetimeFigureOut">
+            <a:fld id="{5EBC6E11-645B-423A-9407-C41BA404F6F0}" type="datetime1">
               <a:rPr lang="de-AT" smtClean="0"/>
               <a:t>26.04.2022</a:t>
             </a:fld>
@@ -1629,7 +1997,10 @@
           <a:bodyPr/>
           <a:lstStyle/>
           <a:p>
-            <a:endParaRPr lang="de-AT"/>
+            <a:r>
+              <a:rPr lang="de-AT"/>
+              <a:t>Lorenz Kasieczka/Paul Krenmayr</a:t>
+            </a:r>
           </a:p>
         </p:txBody>
       </p:sp>
@@ -1985,7 +2356,7 @@
           <a:bodyPr/>
           <a:lstStyle/>
           <a:p>
-            <a:fld id="{48D4AA5A-4D7E-4AB4-91EA-8EB296FFD479}" type="datetimeFigureOut">
+            <a:fld id="{F43EC686-9519-4423-859E-E2C2A209D395}" type="datetime1">
               <a:rPr lang="de-AT" smtClean="0"/>
               <a:t>26.04.2022</a:t>
             </a:fld>
@@ -2008,7 +2379,10 @@
           <a:bodyPr/>
           <a:lstStyle/>
           <a:p>
-            <a:endParaRPr lang="de-AT"/>
+            <a:r>
+              <a:rPr lang="de-AT"/>
+              <a:t>Lorenz Kasieczka/Paul Krenmayr</a:t>
+            </a:r>
           </a:p>
         </p:txBody>
       </p:sp>
@@ -2103,7 +2477,7 @@
           <a:bodyPr/>
           <a:lstStyle/>
           <a:p>
-            <a:fld id="{48D4AA5A-4D7E-4AB4-91EA-8EB296FFD479}" type="datetimeFigureOut">
+            <a:fld id="{5F68AEAB-E8BE-4100-A44F-E0CFFEAF6B36}" type="datetime1">
               <a:rPr lang="de-AT" smtClean="0"/>
               <a:t>26.04.2022</a:t>
             </a:fld>
@@ -2126,7 +2500,10 @@
           <a:bodyPr/>
           <a:lstStyle/>
           <a:p>
-            <a:endParaRPr lang="de-AT"/>
+            <a:r>
+              <a:rPr lang="de-AT"/>
+              <a:t>Lorenz Kasieczka/Paul Krenmayr</a:t>
+            </a:r>
           </a:p>
         </p:txBody>
       </p:sp>
@@ -2274,7 +2651,7 @@
           <a:bodyPr/>
           <a:lstStyle/>
           <a:p>
-            <a:fld id="{48D4AA5A-4D7E-4AB4-91EA-8EB296FFD479}" type="datetimeFigureOut">
+            <a:fld id="{52D9F024-72E6-4F5C-A241-96896B6BB0D9}" type="datetime1">
               <a:rPr lang="de-AT" smtClean="0"/>
               <a:t>26.04.2022</a:t>
             </a:fld>
@@ -2305,7 +2682,10 @@
             </a:lvl1pPr>
           </a:lstStyle>
           <a:p>
-            <a:endParaRPr lang="de-AT"/>
+            <a:r>
+              <a:rPr lang="de-AT"/>
+              <a:t>Lorenz Kasieczka/Paul Krenmayr</a:t>
+            </a:r>
           </a:p>
         </p:txBody>
       </p:sp>
@@ -2628,7 +3008,7 @@
             </a:lvl1pPr>
           </a:lstStyle>
           <a:p>
-            <a:fld id="{48D4AA5A-4D7E-4AB4-91EA-8EB296FFD479}" type="datetimeFigureOut">
+            <a:fld id="{DB5F310C-A421-4506-9B41-AFA8B0D82CC1}" type="datetime1">
               <a:rPr lang="de-AT" smtClean="0"/>
               <a:t>26.04.2022</a:t>
             </a:fld>
@@ -2664,7 +3044,10 @@
             </a:lvl1pPr>
           </a:lstStyle>
           <a:p>
-            <a:endParaRPr lang="de-AT"/>
+            <a:r>
+              <a:rPr lang="de-AT"/>
+              <a:t>Lorenz Kasieczka/Paul Krenmayr</a:t>
+            </a:r>
           </a:p>
         </p:txBody>
       </p:sp>
@@ -3010,7 +3393,7 @@
           <a:bodyPr/>
           <a:lstStyle/>
           <a:p>
-            <a:fld id="{48D4AA5A-4D7E-4AB4-91EA-8EB296FFD479}" type="datetimeFigureOut">
+            <a:fld id="{A25022E6-FAA1-4D4B-B736-F07C14870DA0}" type="datetime1">
               <a:rPr lang="de-AT" smtClean="0"/>
               <a:t>26.04.2022</a:t>
             </a:fld>
@@ -3033,7 +3416,10 @@
           <a:bodyPr/>
           <a:lstStyle/>
           <a:p>
-            <a:endParaRPr lang="de-AT"/>
+            <a:r>
+              <a:rPr lang="de-AT"/>
+              <a:t>Lorenz Kasieczka/Paul Krenmayr</a:t>
+            </a:r>
           </a:p>
         </p:txBody>
       </p:sp>
@@ -3297,7 +3683,7 @@
             </a:lvl1pPr>
           </a:lstStyle>
           <a:p>
-            <a:fld id="{48D4AA5A-4D7E-4AB4-91EA-8EB296FFD479}" type="datetimeFigureOut">
+            <a:fld id="{CE34C87D-3726-4E5E-8BC6-3009AB6B0991}" type="datetime1">
               <a:rPr lang="de-AT" smtClean="0"/>
               <a:t>26.04.2022</a:t>
             </a:fld>
@@ -3336,7 +3722,10 @@
             </a:lvl1pPr>
           </a:lstStyle>
           <a:p>
-            <a:endParaRPr lang="de-AT"/>
+            <a:r>
+              <a:rPr lang="de-AT"/>
+              <a:t>Lorenz Kasieczka/Paul Krenmayr</a:t>
+            </a:r>
           </a:p>
         </p:txBody>
       </p:sp>
@@ -3438,6 +3827,7 @@
     <p:sldLayoutId id="2147483670" r:id="rId10"/>
     <p:sldLayoutId id="2147483671" r:id="rId11"/>
   </p:sldLayoutIdLst>
+  <p:hf sldNum="0" hdr="0"/>
   <p:txStyles>
     <p:titleStyle>
       <a:lvl1pPr algn="l" defTabSz="914400" rtl="0" eaLnBrk="1" latinLnBrk="0" hangingPunct="1">
@@ -3920,18 +4310,13 @@
           <a:lstStyle/>
           <a:p>
             <a:r>
-              <a:rPr lang="de-AT">
+              <a:rPr lang="de-AT" dirty="0">
                 <a:solidFill>
                   <a:schemeClr val="tx2"/>
                 </a:solidFill>
               </a:rPr>
               <a:t>Linkt List</a:t>
             </a:r>
-            <a:endParaRPr lang="de-AT" dirty="0">
-              <a:solidFill>
-                <a:schemeClr val="tx2"/>
-              </a:solidFill>
-            </a:endParaRPr>
           </a:p>
         </p:txBody>
       </p:sp>
@@ -4176,6 +4561,63 @@
           </a:xfrm>
         </p:spPr>
       </p:pic>
+      <p:sp>
+        <p:nvSpPr>
+          <p:cNvPr id="3" name="Datumsplatzhalter 2">
+            <a:extLst>
+              <a:ext uri="{FF2B5EF4-FFF2-40B4-BE49-F238E27FC236}">
+                <a16:creationId xmlns:a16="http://schemas.microsoft.com/office/drawing/2014/main" id="{21054833-88B3-47BF-A4A9-B4266731D34C}"/>
+              </a:ext>
+            </a:extLst>
+          </p:cNvPr>
+          <p:cNvSpPr>
+            <a:spLocks noGrp="1"/>
+          </p:cNvSpPr>
+          <p:nvPr>
+            <p:ph type="dt" sz="half" idx="10"/>
+          </p:nvPr>
+        </p:nvSpPr>
+        <p:spPr/>
+        <p:txBody>
+          <a:bodyPr/>
+          <a:lstStyle/>
+          <a:p>
+            <a:fld id="{F58AFEE9-EBDD-499B-8225-E63A1CB0D380}" type="datetime1">
+              <a:rPr lang="de-AT" smtClean="0"/>
+              <a:t>26.04.2022</a:t>
+            </a:fld>
+            <a:endParaRPr lang="de-AT"/>
+          </a:p>
+        </p:txBody>
+      </p:sp>
+      <p:sp>
+        <p:nvSpPr>
+          <p:cNvPr id="4" name="Fußzeilenplatzhalter 3">
+            <a:extLst>
+              <a:ext uri="{FF2B5EF4-FFF2-40B4-BE49-F238E27FC236}">
+                <a16:creationId xmlns:a16="http://schemas.microsoft.com/office/drawing/2014/main" id="{42AA63B1-8673-4E38-9FBB-91C84183E311}"/>
+              </a:ext>
+            </a:extLst>
+          </p:cNvPr>
+          <p:cNvSpPr>
+            <a:spLocks noGrp="1"/>
+          </p:cNvSpPr>
+          <p:nvPr>
+            <p:ph type="ftr" sz="quarter" idx="11"/>
+          </p:nvPr>
+        </p:nvSpPr>
+        <p:spPr/>
+        <p:txBody>
+          <a:bodyPr/>
+          <a:lstStyle/>
+          <a:p>
+            <a:r>
+              <a:rPr lang="de-AT"/>
+              <a:t>Lorenz Kasieczka/Paul Krenmayr</a:t>
+            </a:r>
+          </a:p>
+        </p:txBody>
+      </p:sp>
     </p:spTree>
     <p:extLst>
       <p:ext uri="{BB962C8B-B14F-4D97-AF65-F5344CB8AC3E}">
@@ -4259,6 +4701,63 @@
           </a:p>
         </p:txBody>
       </p:sp>
+      <p:sp>
+        <p:nvSpPr>
+          <p:cNvPr id="4" name="Datumsplatzhalter 3">
+            <a:extLst>
+              <a:ext uri="{FF2B5EF4-FFF2-40B4-BE49-F238E27FC236}">
+                <a16:creationId xmlns:a16="http://schemas.microsoft.com/office/drawing/2014/main" id="{90E84903-3A6C-42BB-B611-55883D22B3BD}"/>
+              </a:ext>
+            </a:extLst>
+          </p:cNvPr>
+          <p:cNvSpPr>
+            <a:spLocks noGrp="1"/>
+          </p:cNvSpPr>
+          <p:nvPr>
+            <p:ph type="dt" sz="half" idx="10"/>
+          </p:nvPr>
+        </p:nvSpPr>
+        <p:spPr/>
+        <p:txBody>
+          <a:bodyPr/>
+          <a:lstStyle/>
+          <a:p>
+            <a:fld id="{C8250135-1A07-4E94-8456-00311F83E109}" type="datetime1">
+              <a:rPr lang="de-AT" smtClean="0"/>
+              <a:t>26.04.2022</a:t>
+            </a:fld>
+            <a:endParaRPr lang="de-AT"/>
+          </a:p>
+        </p:txBody>
+      </p:sp>
+      <p:sp>
+        <p:nvSpPr>
+          <p:cNvPr id="5" name="Fußzeilenplatzhalter 4">
+            <a:extLst>
+              <a:ext uri="{FF2B5EF4-FFF2-40B4-BE49-F238E27FC236}">
+                <a16:creationId xmlns:a16="http://schemas.microsoft.com/office/drawing/2014/main" id="{B8F3D652-ECCA-46EA-8CBC-83A36D96BFBA}"/>
+              </a:ext>
+            </a:extLst>
+          </p:cNvPr>
+          <p:cNvSpPr>
+            <a:spLocks noGrp="1"/>
+          </p:cNvSpPr>
+          <p:nvPr>
+            <p:ph type="ftr" sz="quarter" idx="11"/>
+          </p:nvPr>
+        </p:nvSpPr>
+        <p:spPr/>
+        <p:txBody>
+          <a:bodyPr/>
+          <a:lstStyle/>
+          <a:p>
+            <a:r>
+              <a:rPr lang="de-AT"/>
+              <a:t>Lorenz Kasieczka/Paul Krenmayr</a:t>
+            </a:r>
+          </a:p>
+        </p:txBody>
+      </p:sp>
     </p:spTree>
     <p:extLst>
       <p:ext uri="{BB962C8B-B14F-4D97-AF65-F5344CB8AC3E}">
@@ -4351,6 +4850,63 @@
           </a:xfrm>
         </p:spPr>
       </p:pic>
+      <p:sp>
+        <p:nvSpPr>
+          <p:cNvPr id="3" name="Datumsplatzhalter 2">
+            <a:extLst>
+              <a:ext uri="{FF2B5EF4-FFF2-40B4-BE49-F238E27FC236}">
+                <a16:creationId xmlns:a16="http://schemas.microsoft.com/office/drawing/2014/main" id="{DF1F020B-8357-468A-BAB8-E9E2051FCAE6}"/>
+              </a:ext>
+            </a:extLst>
+          </p:cNvPr>
+          <p:cNvSpPr>
+            <a:spLocks noGrp="1"/>
+          </p:cNvSpPr>
+          <p:nvPr>
+            <p:ph type="dt" sz="half" idx="10"/>
+          </p:nvPr>
+        </p:nvSpPr>
+        <p:spPr/>
+        <p:txBody>
+          <a:bodyPr/>
+          <a:lstStyle/>
+          <a:p>
+            <a:fld id="{7C086CC1-AFFE-4A1D-B567-8B7033B38F6C}" type="datetime1">
+              <a:rPr lang="de-AT" smtClean="0"/>
+              <a:t>26.04.2022</a:t>
+            </a:fld>
+            <a:endParaRPr lang="de-AT"/>
+          </a:p>
+        </p:txBody>
+      </p:sp>
+      <p:sp>
+        <p:nvSpPr>
+          <p:cNvPr id="4" name="Fußzeilenplatzhalter 3">
+            <a:extLst>
+              <a:ext uri="{FF2B5EF4-FFF2-40B4-BE49-F238E27FC236}">
+                <a16:creationId xmlns:a16="http://schemas.microsoft.com/office/drawing/2014/main" id="{9EDC0B9A-7F17-446E-AE4B-9D8F908000A5}"/>
+              </a:ext>
+            </a:extLst>
+          </p:cNvPr>
+          <p:cNvSpPr>
+            <a:spLocks noGrp="1"/>
+          </p:cNvSpPr>
+          <p:nvPr>
+            <p:ph type="ftr" sz="quarter" idx="11"/>
+          </p:nvPr>
+        </p:nvSpPr>
+        <p:spPr/>
+        <p:txBody>
+          <a:bodyPr/>
+          <a:lstStyle/>
+          <a:p>
+            <a:r>
+              <a:rPr lang="de-AT"/>
+              <a:t>Lorenz Kasieczka/Paul Krenmayr</a:t>
+            </a:r>
+          </a:p>
+        </p:txBody>
+      </p:sp>
     </p:spTree>
     <p:extLst>
       <p:ext uri="{BB962C8B-B14F-4D97-AF65-F5344CB8AC3E}">
@@ -4434,6 +4990,63 @@
           </a:p>
         </p:txBody>
       </p:sp>
+      <p:sp>
+        <p:nvSpPr>
+          <p:cNvPr id="4" name="Datumsplatzhalter 3">
+            <a:extLst>
+              <a:ext uri="{FF2B5EF4-FFF2-40B4-BE49-F238E27FC236}">
+                <a16:creationId xmlns:a16="http://schemas.microsoft.com/office/drawing/2014/main" id="{50523F0A-7B4C-4C08-A267-E92196F3B66E}"/>
+              </a:ext>
+            </a:extLst>
+          </p:cNvPr>
+          <p:cNvSpPr>
+            <a:spLocks noGrp="1"/>
+          </p:cNvSpPr>
+          <p:nvPr>
+            <p:ph type="dt" sz="half" idx="10"/>
+          </p:nvPr>
+        </p:nvSpPr>
+        <p:spPr/>
+        <p:txBody>
+          <a:bodyPr/>
+          <a:lstStyle/>
+          <a:p>
+            <a:fld id="{DB02198E-0C1A-4C3C-95A1-633C8C0865DD}" type="datetime1">
+              <a:rPr lang="de-AT" smtClean="0"/>
+              <a:t>26.04.2022</a:t>
+            </a:fld>
+            <a:endParaRPr lang="de-AT"/>
+          </a:p>
+        </p:txBody>
+      </p:sp>
+      <p:sp>
+        <p:nvSpPr>
+          <p:cNvPr id="5" name="Fußzeilenplatzhalter 4">
+            <a:extLst>
+              <a:ext uri="{FF2B5EF4-FFF2-40B4-BE49-F238E27FC236}">
+                <a16:creationId xmlns:a16="http://schemas.microsoft.com/office/drawing/2014/main" id="{D5760C47-43E1-40DD-A37D-564545DD34F5}"/>
+              </a:ext>
+            </a:extLst>
+          </p:cNvPr>
+          <p:cNvSpPr>
+            <a:spLocks noGrp="1"/>
+          </p:cNvSpPr>
+          <p:nvPr>
+            <p:ph type="ftr" sz="quarter" idx="11"/>
+          </p:nvPr>
+        </p:nvSpPr>
+        <p:spPr/>
+        <p:txBody>
+          <a:bodyPr/>
+          <a:lstStyle/>
+          <a:p>
+            <a:r>
+              <a:rPr lang="de-AT"/>
+              <a:t>Lorenz Kasieczka/Paul Krenmayr</a:t>
+            </a:r>
+          </a:p>
+        </p:txBody>
+      </p:sp>
     </p:spTree>
     <p:extLst>
       <p:ext uri="{BB962C8B-B14F-4D97-AF65-F5344CB8AC3E}">
@@ -4521,6 +5134,63 @@
           </a:xfrm>
         </p:spPr>
       </p:pic>
+      <p:sp>
+        <p:nvSpPr>
+          <p:cNvPr id="3" name="Datumsplatzhalter 2">
+            <a:extLst>
+              <a:ext uri="{FF2B5EF4-FFF2-40B4-BE49-F238E27FC236}">
+                <a16:creationId xmlns:a16="http://schemas.microsoft.com/office/drawing/2014/main" id="{374FEFEB-BCCF-448E-A825-7907266E22AE}"/>
+              </a:ext>
+            </a:extLst>
+          </p:cNvPr>
+          <p:cNvSpPr>
+            <a:spLocks noGrp="1"/>
+          </p:cNvSpPr>
+          <p:nvPr>
+            <p:ph type="dt" sz="half" idx="10"/>
+          </p:nvPr>
+        </p:nvSpPr>
+        <p:spPr/>
+        <p:txBody>
+          <a:bodyPr/>
+          <a:lstStyle/>
+          <a:p>
+            <a:fld id="{F73C2E85-F6B4-40AD-80EC-50414ED1AADF}" type="datetime1">
+              <a:rPr lang="de-AT" smtClean="0"/>
+              <a:t>26.04.2022</a:t>
+            </a:fld>
+            <a:endParaRPr lang="de-AT"/>
+          </a:p>
+        </p:txBody>
+      </p:sp>
+      <p:sp>
+        <p:nvSpPr>
+          <p:cNvPr id="4" name="Fußzeilenplatzhalter 3">
+            <a:extLst>
+              <a:ext uri="{FF2B5EF4-FFF2-40B4-BE49-F238E27FC236}">
+                <a16:creationId xmlns:a16="http://schemas.microsoft.com/office/drawing/2014/main" id="{3E2D0EE9-80A8-4192-88BE-17F53F7611DF}"/>
+              </a:ext>
+            </a:extLst>
+          </p:cNvPr>
+          <p:cNvSpPr>
+            <a:spLocks noGrp="1"/>
+          </p:cNvSpPr>
+          <p:nvPr>
+            <p:ph type="ftr" sz="quarter" idx="11"/>
+          </p:nvPr>
+        </p:nvSpPr>
+        <p:spPr/>
+        <p:txBody>
+          <a:bodyPr/>
+          <a:lstStyle/>
+          <a:p>
+            <a:r>
+              <a:rPr lang="de-AT"/>
+              <a:t>Lorenz Kasieczka/Paul Krenmayr</a:t>
+            </a:r>
+          </a:p>
+        </p:txBody>
+      </p:sp>
     </p:spTree>
     <p:extLst>
       <p:ext uri="{BB962C8B-B14F-4D97-AF65-F5344CB8AC3E}">
@@ -4604,6 +5274,63 @@
           </a:p>
         </p:txBody>
       </p:sp>
+      <p:sp>
+        <p:nvSpPr>
+          <p:cNvPr id="4" name="Datumsplatzhalter 3">
+            <a:extLst>
+              <a:ext uri="{FF2B5EF4-FFF2-40B4-BE49-F238E27FC236}">
+                <a16:creationId xmlns:a16="http://schemas.microsoft.com/office/drawing/2014/main" id="{D49CDA6B-50DA-4AF7-90DF-96D941C36EB9}"/>
+              </a:ext>
+            </a:extLst>
+          </p:cNvPr>
+          <p:cNvSpPr>
+            <a:spLocks noGrp="1"/>
+          </p:cNvSpPr>
+          <p:nvPr>
+            <p:ph type="dt" sz="half" idx="10"/>
+          </p:nvPr>
+        </p:nvSpPr>
+        <p:spPr/>
+        <p:txBody>
+          <a:bodyPr/>
+          <a:lstStyle/>
+          <a:p>
+            <a:fld id="{36C23EC5-C33E-4083-A078-DD56B0BD8074}" type="datetime1">
+              <a:rPr lang="de-AT" smtClean="0"/>
+              <a:t>26.04.2022</a:t>
+            </a:fld>
+            <a:endParaRPr lang="de-AT"/>
+          </a:p>
+        </p:txBody>
+      </p:sp>
+      <p:sp>
+        <p:nvSpPr>
+          <p:cNvPr id="5" name="Fußzeilenplatzhalter 4">
+            <a:extLst>
+              <a:ext uri="{FF2B5EF4-FFF2-40B4-BE49-F238E27FC236}">
+                <a16:creationId xmlns:a16="http://schemas.microsoft.com/office/drawing/2014/main" id="{0799F0E0-5D60-4378-8E5C-72D1AD65A384}"/>
+              </a:ext>
+            </a:extLst>
+          </p:cNvPr>
+          <p:cNvSpPr>
+            <a:spLocks noGrp="1"/>
+          </p:cNvSpPr>
+          <p:nvPr>
+            <p:ph type="ftr" sz="quarter" idx="11"/>
+          </p:nvPr>
+        </p:nvSpPr>
+        <p:spPr/>
+        <p:txBody>
+          <a:bodyPr/>
+          <a:lstStyle/>
+          <a:p>
+            <a:r>
+              <a:rPr lang="de-AT"/>
+              <a:t>Lorenz Kasieczka/Paul Krenmayr</a:t>
+            </a:r>
+          </a:p>
+        </p:txBody>
+      </p:sp>
     </p:spTree>
     <p:extLst>
       <p:ext uri="{BB962C8B-B14F-4D97-AF65-F5344CB8AC3E}">
@@ -4697,6 +5424,63 @@
           </a:xfrm>
         </p:spPr>
       </p:pic>
+      <p:sp>
+        <p:nvSpPr>
+          <p:cNvPr id="3" name="Datumsplatzhalter 2">
+            <a:extLst>
+              <a:ext uri="{FF2B5EF4-FFF2-40B4-BE49-F238E27FC236}">
+                <a16:creationId xmlns:a16="http://schemas.microsoft.com/office/drawing/2014/main" id="{DC56AC4D-82F3-4CFB-9011-845562601A5B}"/>
+              </a:ext>
+            </a:extLst>
+          </p:cNvPr>
+          <p:cNvSpPr>
+            <a:spLocks noGrp="1"/>
+          </p:cNvSpPr>
+          <p:nvPr>
+            <p:ph type="dt" sz="half" idx="10"/>
+          </p:nvPr>
+        </p:nvSpPr>
+        <p:spPr/>
+        <p:txBody>
+          <a:bodyPr/>
+          <a:lstStyle/>
+          <a:p>
+            <a:fld id="{2915E477-B1BE-4586-B86F-47538B75C5CE}" type="datetime1">
+              <a:rPr lang="de-AT" smtClean="0"/>
+              <a:t>26.04.2022</a:t>
+            </a:fld>
+            <a:endParaRPr lang="de-AT"/>
+          </a:p>
+        </p:txBody>
+      </p:sp>
+      <p:sp>
+        <p:nvSpPr>
+          <p:cNvPr id="4" name="Fußzeilenplatzhalter 3">
+            <a:extLst>
+              <a:ext uri="{FF2B5EF4-FFF2-40B4-BE49-F238E27FC236}">
+                <a16:creationId xmlns:a16="http://schemas.microsoft.com/office/drawing/2014/main" id="{CA927E77-17B1-4F5C-8268-7989FA8C908A}"/>
+              </a:ext>
+            </a:extLst>
+          </p:cNvPr>
+          <p:cNvSpPr>
+            <a:spLocks noGrp="1"/>
+          </p:cNvSpPr>
+          <p:nvPr>
+            <p:ph type="ftr" sz="quarter" idx="11"/>
+          </p:nvPr>
+        </p:nvSpPr>
+        <p:spPr/>
+        <p:txBody>
+          <a:bodyPr/>
+          <a:lstStyle/>
+          <a:p>
+            <a:r>
+              <a:rPr lang="de-AT"/>
+              <a:t>Lorenz Kasieczka/Paul Krenmayr</a:t>
+            </a:r>
+          </a:p>
+        </p:txBody>
+      </p:sp>
     </p:spTree>
     <p:extLst>
       <p:ext uri="{BB962C8B-B14F-4D97-AF65-F5344CB8AC3E}">
@@ -4784,6 +5568,63 @@
           </a:xfrm>
         </p:spPr>
       </p:pic>
+      <p:sp>
+        <p:nvSpPr>
+          <p:cNvPr id="3" name="Datumsplatzhalter 2">
+            <a:extLst>
+              <a:ext uri="{FF2B5EF4-FFF2-40B4-BE49-F238E27FC236}">
+                <a16:creationId xmlns:a16="http://schemas.microsoft.com/office/drawing/2014/main" id="{127AFB4F-23F9-469B-909F-72F760FC6BA0}"/>
+              </a:ext>
+            </a:extLst>
+          </p:cNvPr>
+          <p:cNvSpPr>
+            <a:spLocks noGrp="1"/>
+          </p:cNvSpPr>
+          <p:nvPr>
+            <p:ph type="dt" sz="half" idx="10"/>
+          </p:nvPr>
+        </p:nvSpPr>
+        <p:spPr/>
+        <p:txBody>
+          <a:bodyPr/>
+          <a:lstStyle/>
+          <a:p>
+            <a:fld id="{EC7A4AD5-0919-4C0C-9F2B-34AB29693D75}" type="datetime1">
+              <a:rPr lang="de-AT" smtClean="0"/>
+              <a:t>26.04.2022</a:t>
+            </a:fld>
+            <a:endParaRPr lang="de-AT"/>
+          </a:p>
+        </p:txBody>
+      </p:sp>
+      <p:sp>
+        <p:nvSpPr>
+          <p:cNvPr id="4" name="Fußzeilenplatzhalter 3">
+            <a:extLst>
+              <a:ext uri="{FF2B5EF4-FFF2-40B4-BE49-F238E27FC236}">
+                <a16:creationId xmlns:a16="http://schemas.microsoft.com/office/drawing/2014/main" id="{41F439F2-2582-47D0-ACDE-01C998A0B887}"/>
+              </a:ext>
+            </a:extLst>
+          </p:cNvPr>
+          <p:cNvSpPr>
+            <a:spLocks noGrp="1"/>
+          </p:cNvSpPr>
+          <p:nvPr>
+            <p:ph type="ftr" sz="quarter" idx="11"/>
+          </p:nvPr>
+        </p:nvSpPr>
+        <p:spPr/>
+        <p:txBody>
+          <a:bodyPr/>
+          <a:lstStyle/>
+          <a:p>
+            <a:r>
+              <a:rPr lang="de-AT"/>
+              <a:t>Lorenz Kasieczka/Paul Krenmayr</a:t>
+            </a:r>
+          </a:p>
+        </p:txBody>
+      </p:sp>
     </p:spTree>
     <p:extLst>
       <p:ext uri="{BB962C8B-B14F-4D97-AF65-F5344CB8AC3E}">
@@ -4871,6 +5712,63 @@
           </a:xfrm>
         </p:spPr>
       </p:pic>
+      <p:sp>
+        <p:nvSpPr>
+          <p:cNvPr id="3" name="Datumsplatzhalter 2">
+            <a:extLst>
+              <a:ext uri="{FF2B5EF4-FFF2-40B4-BE49-F238E27FC236}">
+                <a16:creationId xmlns:a16="http://schemas.microsoft.com/office/drawing/2014/main" id="{AE013812-97AA-41DC-AD31-7A3F414515D5}"/>
+              </a:ext>
+            </a:extLst>
+          </p:cNvPr>
+          <p:cNvSpPr>
+            <a:spLocks noGrp="1"/>
+          </p:cNvSpPr>
+          <p:nvPr>
+            <p:ph type="dt" sz="half" idx="10"/>
+          </p:nvPr>
+        </p:nvSpPr>
+        <p:spPr/>
+        <p:txBody>
+          <a:bodyPr/>
+          <a:lstStyle/>
+          <a:p>
+            <a:fld id="{CB2218AF-9B40-4CFC-9EA8-A48FC531551C}" type="datetime1">
+              <a:rPr lang="de-AT" smtClean="0"/>
+              <a:t>26.04.2022</a:t>
+            </a:fld>
+            <a:endParaRPr lang="de-AT"/>
+          </a:p>
+        </p:txBody>
+      </p:sp>
+      <p:sp>
+        <p:nvSpPr>
+          <p:cNvPr id="4" name="Fußzeilenplatzhalter 3">
+            <a:extLst>
+              <a:ext uri="{FF2B5EF4-FFF2-40B4-BE49-F238E27FC236}">
+                <a16:creationId xmlns:a16="http://schemas.microsoft.com/office/drawing/2014/main" id="{6197A5E2-F207-489D-A039-16A74AAB9D5E}"/>
+              </a:ext>
+            </a:extLst>
+          </p:cNvPr>
+          <p:cNvSpPr>
+            <a:spLocks noGrp="1"/>
+          </p:cNvSpPr>
+          <p:nvPr>
+            <p:ph type="ftr" sz="quarter" idx="11"/>
+          </p:nvPr>
+        </p:nvSpPr>
+        <p:spPr/>
+        <p:txBody>
+          <a:bodyPr/>
+          <a:lstStyle/>
+          <a:p>
+            <a:r>
+              <a:rPr lang="de-AT"/>
+              <a:t>Lorenz Kasieczka/Paul Krenmayr</a:t>
+            </a:r>
+          </a:p>
+        </p:txBody>
+      </p:sp>
     </p:spTree>
     <p:extLst>
       <p:ext uri="{BB962C8B-B14F-4D97-AF65-F5344CB8AC3E}">
@@ -4958,6 +5856,63 @@
           </a:xfrm>
         </p:spPr>
       </p:pic>
+      <p:sp>
+        <p:nvSpPr>
+          <p:cNvPr id="3" name="Datumsplatzhalter 2">
+            <a:extLst>
+              <a:ext uri="{FF2B5EF4-FFF2-40B4-BE49-F238E27FC236}">
+                <a16:creationId xmlns:a16="http://schemas.microsoft.com/office/drawing/2014/main" id="{CD56CBF7-AB08-4830-A2FC-6B4F9B57DE5A}"/>
+              </a:ext>
+            </a:extLst>
+          </p:cNvPr>
+          <p:cNvSpPr>
+            <a:spLocks noGrp="1"/>
+          </p:cNvSpPr>
+          <p:nvPr>
+            <p:ph type="dt" sz="half" idx="10"/>
+          </p:nvPr>
+        </p:nvSpPr>
+        <p:spPr/>
+        <p:txBody>
+          <a:bodyPr/>
+          <a:lstStyle/>
+          <a:p>
+            <a:fld id="{ACB214B6-D3C5-482B-893D-7750D2C22E01}" type="datetime1">
+              <a:rPr lang="de-AT" smtClean="0"/>
+              <a:t>26.04.2022</a:t>
+            </a:fld>
+            <a:endParaRPr lang="de-AT"/>
+          </a:p>
+        </p:txBody>
+      </p:sp>
+      <p:sp>
+        <p:nvSpPr>
+          <p:cNvPr id="4" name="Fußzeilenplatzhalter 3">
+            <a:extLst>
+              <a:ext uri="{FF2B5EF4-FFF2-40B4-BE49-F238E27FC236}">
+                <a16:creationId xmlns:a16="http://schemas.microsoft.com/office/drawing/2014/main" id="{B51496F2-398F-4FD4-B6EE-CD34231068AD}"/>
+              </a:ext>
+            </a:extLst>
+          </p:cNvPr>
+          <p:cNvSpPr>
+            <a:spLocks noGrp="1"/>
+          </p:cNvSpPr>
+          <p:nvPr>
+            <p:ph type="ftr" sz="quarter" idx="11"/>
+          </p:nvPr>
+        </p:nvSpPr>
+        <p:spPr/>
+        <p:txBody>
+          <a:bodyPr/>
+          <a:lstStyle/>
+          <a:p>
+            <a:r>
+              <a:rPr lang="de-AT"/>
+              <a:t>Lorenz Kasieczka/Paul Krenmayr</a:t>
+            </a:r>
+          </a:p>
+        </p:txBody>
+      </p:sp>
     </p:spTree>
     <p:extLst>
       <p:ext uri="{BB962C8B-B14F-4D97-AF65-F5344CB8AC3E}">
@@ -5045,6 +6000,63 @@
           </a:xfrm>
         </p:spPr>
       </p:pic>
+      <p:sp>
+        <p:nvSpPr>
+          <p:cNvPr id="3" name="Datumsplatzhalter 2">
+            <a:extLst>
+              <a:ext uri="{FF2B5EF4-FFF2-40B4-BE49-F238E27FC236}">
+                <a16:creationId xmlns:a16="http://schemas.microsoft.com/office/drawing/2014/main" id="{613FECD4-C7FB-407F-A598-3F7DD8D3FFF0}"/>
+              </a:ext>
+            </a:extLst>
+          </p:cNvPr>
+          <p:cNvSpPr>
+            <a:spLocks noGrp="1"/>
+          </p:cNvSpPr>
+          <p:nvPr>
+            <p:ph type="dt" sz="half" idx="10"/>
+          </p:nvPr>
+        </p:nvSpPr>
+        <p:spPr/>
+        <p:txBody>
+          <a:bodyPr/>
+          <a:lstStyle/>
+          <a:p>
+            <a:fld id="{61BC7EC1-E367-40F4-9572-C858E0B29D32}" type="datetime1">
+              <a:rPr lang="de-AT" smtClean="0"/>
+              <a:t>26.04.2022</a:t>
+            </a:fld>
+            <a:endParaRPr lang="de-AT"/>
+          </a:p>
+        </p:txBody>
+      </p:sp>
+      <p:sp>
+        <p:nvSpPr>
+          <p:cNvPr id="4" name="Fußzeilenplatzhalter 3">
+            <a:extLst>
+              <a:ext uri="{FF2B5EF4-FFF2-40B4-BE49-F238E27FC236}">
+                <a16:creationId xmlns:a16="http://schemas.microsoft.com/office/drawing/2014/main" id="{2D98DC00-FD54-4B6A-B6A2-055B2A04B295}"/>
+              </a:ext>
+            </a:extLst>
+          </p:cNvPr>
+          <p:cNvSpPr>
+            <a:spLocks noGrp="1"/>
+          </p:cNvSpPr>
+          <p:nvPr>
+            <p:ph type="ftr" sz="quarter" idx="11"/>
+          </p:nvPr>
+        </p:nvSpPr>
+        <p:spPr/>
+        <p:txBody>
+          <a:bodyPr/>
+          <a:lstStyle/>
+          <a:p>
+            <a:r>
+              <a:rPr lang="de-AT"/>
+              <a:t>Lorenz Kasieczka/Paul Krenmayr</a:t>
+            </a:r>
+          </a:p>
+        </p:txBody>
+      </p:sp>
     </p:spTree>
     <p:extLst>
       <p:ext uri="{BB962C8B-B14F-4D97-AF65-F5344CB8AC3E}">
@@ -5132,6 +6144,63 @@
           </a:xfrm>
         </p:spPr>
       </p:pic>
+      <p:sp>
+        <p:nvSpPr>
+          <p:cNvPr id="3" name="Datumsplatzhalter 2">
+            <a:extLst>
+              <a:ext uri="{FF2B5EF4-FFF2-40B4-BE49-F238E27FC236}">
+                <a16:creationId xmlns:a16="http://schemas.microsoft.com/office/drawing/2014/main" id="{281F2A3F-EDD1-44DD-9A5F-B2ED3C2F42BF}"/>
+              </a:ext>
+            </a:extLst>
+          </p:cNvPr>
+          <p:cNvSpPr>
+            <a:spLocks noGrp="1"/>
+          </p:cNvSpPr>
+          <p:nvPr>
+            <p:ph type="dt" sz="half" idx="10"/>
+          </p:nvPr>
+        </p:nvSpPr>
+        <p:spPr/>
+        <p:txBody>
+          <a:bodyPr/>
+          <a:lstStyle/>
+          <a:p>
+            <a:fld id="{1956250F-417C-40CD-BF55-061161E0914E}" type="datetime1">
+              <a:rPr lang="de-AT" smtClean="0"/>
+              <a:t>26.04.2022</a:t>
+            </a:fld>
+            <a:endParaRPr lang="de-AT"/>
+          </a:p>
+        </p:txBody>
+      </p:sp>
+      <p:sp>
+        <p:nvSpPr>
+          <p:cNvPr id="4" name="Fußzeilenplatzhalter 3">
+            <a:extLst>
+              <a:ext uri="{FF2B5EF4-FFF2-40B4-BE49-F238E27FC236}">
+                <a16:creationId xmlns:a16="http://schemas.microsoft.com/office/drawing/2014/main" id="{87ED5AD6-DFFC-4EBF-82BB-FED71166403B}"/>
+              </a:ext>
+            </a:extLst>
+          </p:cNvPr>
+          <p:cNvSpPr>
+            <a:spLocks noGrp="1"/>
+          </p:cNvSpPr>
+          <p:nvPr>
+            <p:ph type="ftr" sz="quarter" idx="11"/>
+          </p:nvPr>
+        </p:nvSpPr>
+        <p:spPr/>
+        <p:txBody>
+          <a:bodyPr/>
+          <a:lstStyle/>
+          <a:p>
+            <a:r>
+              <a:rPr lang="de-AT"/>
+              <a:t>Lorenz Kasieczka/Paul Krenmayr</a:t>
+            </a:r>
+          </a:p>
+        </p:txBody>
+      </p:sp>
     </p:spTree>
     <p:extLst>
       <p:ext uri="{BB962C8B-B14F-4D97-AF65-F5344CB8AC3E}">
@@ -5219,6 +6288,63 @@
           </a:xfrm>
         </p:spPr>
       </p:pic>
+      <p:sp>
+        <p:nvSpPr>
+          <p:cNvPr id="3" name="Datumsplatzhalter 2">
+            <a:extLst>
+              <a:ext uri="{FF2B5EF4-FFF2-40B4-BE49-F238E27FC236}">
+                <a16:creationId xmlns:a16="http://schemas.microsoft.com/office/drawing/2014/main" id="{179EFAB2-CEB9-486A-B7B9-DFDBF180BB2F}"/>
+              </a:ext>
+            </a:extLst>
+          </p:cNvPr>
+          <p:cNvSpPr>
+            <a:spLocks noGrp="1"/>
+          </p:cNvSpPr>
+          <p:nvPr>
+            <p:ph type="dt" sz="half" idx="10"/>
+          </p:nvPr>
+        </p:nvSpPr>
+        <p:spPr/>
+        <p:txBody>
+          <a:bodyPr/>
+          <a:lstStyle/>
+          <a:p>
+            <a:fld id="{D331C0F3-9E79-4355-8D37-5C2A2FBEC43A}" type="datetime1">
+              <a:rPr lang="de-AT" smtClean="0"/>
+              <a:t>26.04.2022</a:t>
+            </a:fld>
+            <a:endParaRPr lang="de-AT"/>
+          </a:p>
+        </p:txBody>
+      </p:sp>
+      <p:sp>
+        <p:nvSpPr>
+          <p:cNvPr id="4" name="Fußzeilenplatzhalter 3">
+            <a:extLst>
+              <a:ext uri="{FF2B5EF4-FFF2-40B4-BE49-F238E27FC236}">
+                <a16:creationId xmlns:a16="http://schemas.microsoft.com/office/drawing/2014/main" id="{F92685A5-36F2-4829-B0C6-89C723FA1D70}"/>
+              </a:ext>
+            </a:extLst>
+          </p:cNvPr>
+          <p:cNvSpPr>
+            <a:spLocks noGrp="1"/>
+          </p:cNvSpPr>
+          <p:nvPr>
+            <p:ph type="ftr" sz="quarter" idx="11"/>
+          </p:nvPr>
+        </p:nvSpPr>
+        <p:spPr/>
+        <p:txBody>
+          <a:bodyPr/>
+          <a:lstStyle/>
+          <a:p>
+            <a:r>
+              <a:rPr lang="de-AT"/>
+              <a:t>Lorenz Kasieczka/Paul Krenmayr</a:t>
+            </a:r>
+          </a:p>
+        </p:txBody>
+      </p:sp>
     </p:spTree>
     <p:extLst>
       <p:ext uri="{BB962C8B-B14F-4D97-AF65-F5344CB8AC3E}">
@@ -5299,6 +6425,63 @@
           <a:lstStyle/>
           <a:p>
             <a:endParaRPr lang="de-AT"/>
+          </a:p>
+        </p:txBody>
+      </p:sp>
+      <p:sp>
+        <p:nvSpPr>
+          <p:cNvPr id="4" name="Datumsplatzhalter 3">
+            <a:extLst>
+              <a:ext uri="{FF2B5EF4-FFF2-40B4-BE49-F238E27FC236}">
+                <a16:creationId xmlns:a16="http://schemas.microsoft.com/office/drawing/2014/main" id="{AF8C3621-84BE-4540-ADD2-17E29FD65C73}"/>
+              </a:ext>
+            </a:extLst>
+          </p:cNvPr>
+          <p:cNvSpPr>
+            <a:spLocks noGrp="1"/>
+          </p:cNvSpPr>
+          <p:nvPr>
+            <p:ph type="dt" sz="half" idx="10"/>
+          </p:nvPr>
+        </p:nvSpPr>
+        <p:spPr/>
+        <p:txBody>
+          <a:bodyPr/>
+          <a:lstStyle/>
+          <a:p>
+            <a:fld id="{2D6DCFD0-6736-4A0A-B781-682EA8ED3D66}" type="datetime1">
+              <a:rPr lang="de-AT" smtClean="0"/>
+              <a:t>26.04.2022</a:t>
+            </a:fld>
+            <a:endParaRPr lang="de-AT"/>
+          </a:p>
+        </p:txBody>
+      </p:sp>
+      <p:sp>
+        <p:nvSpPr>
+          <p:cNvPr id="5" name="Fußzeilenplatzhalter 4">
+            <a:extLst>
+              <a:ext uri="{FF2B5EF4-FFF2-40B4-BE49-F238E27FC236}">
+                <a16:creationId xmlns:a16="http://schemas.microsoft.com/office/drawing/2014/main" id="{A8FD1FE0-BC0A-403B-87FA-17C82646AAD0}"/>
+              </a:ext>
+            </a:extLst>
+          </p:cNvPr>
+          <p:cNvSpPr>
+            <a:spLocks noGrp="1"/>
+          </p:cNvSpPr>
+          <p:nvPr>
+            <p:ph type="ftr" sz="quarter" idx="11"/>
+          </p:nvPr>
+        </p:nvSpPr>
+        <p:spPr/>
+        <p:txBody>
+          <a:bodyPr/>
+          <a:lstStyle/>
+          <a:p>
+            <a:r>
+              <a:rPr lang="de-AT"/>
+              <a:t>Lorenz Kasieczka/Paul Krenmayr</a:t>
+            </a:r>
           </a:p>
         </p:txBody>
       </p:sp>
@@ -5596,4 +6779,299 @@
     </a:ext>
   </a:extLst>
 </a:theme>
+</file>
+
+<file path=ppt/theme/theme2.xml><?xml version="1.0" encoding="utf-8"?>
+<a:theme xmlns:a="http://schemas.openxmlformats.org/drawingml/2006/main" name="Office">
+  <a:themeElements>
+    <a:clrScheme name="Office">
+      <a:dk1>
+        <a:sysClr val="windowText" lastClr="000000"/>
+      </a:dk1>
+      <a:lt1>
+        <a:sysClr val="window" lastClr="FFFFFF"/>
+      </a:lt1>
+      <a:dk2>
+        <a:srgbClr val="44546A"/>
+      </a:dk2>
+      <a:lt2>
+        <a:srgbClr val="E7E6E6"/>
+      </a:lt2>
+      <a:accent1>
+        <a:srgbClr val="4472C4"/>
+      </a:accent1>
+      <a:accent2>
+        <a:srgbClr val="ED7D31"/>
+      </a:accent2>
+      <a:accent3>
+        <a:srgbClr val="A5A5A5"/>
+      </a:accent3>
+      <a:accent4>
+        <a:srgbClr val="FFC000"/>
+      </a:accent4>
+      <a:accent5>
+        <a:srgbClr val="5B9BD5"/>
+      </a:accent5>
+      <a:accent6>
+        <a:srgbClr val="70AD47"/>
+      </a:accent6>
+      <a:hlink>
+        <a:srgbClr val="0563C1"/>
+      </a:hlink>
+      <a:folHlink>
+        <a:srgbClr val="954F72"/>
+      </a:folHlink>
+    </a:clrScheme>
+    <a:fontScheme name="Office">
+      <a:majorFont>
+        <a:latin typeface="Calibri Light" panose="020F0302020204030204"/>
+        <a:ea typeface=""/>
+        <a:cs typeface=""/>
+        <a:font script="Jpan" typeface="游ゴシック Light"/>
+        <a:font script="Hang" typeface="맑은 고딕"/>
+        <a:font script="Hans" typeface="等线 Light"/>
+        <a:font script="Hant" typeface="新細明體"/>
+        <a:font script="Arab" typeface="Times New Roman"/>
+        <a:font script="Hebr" typeface="Times New Roman"/>
+        <a:font script="Thai" typeface="Angsana New"/>
+        <a:font script="Ethi" typeface="Nyala"/>
+        <a:font script="Beng" typeface="Vrinda"/>
+        <a:font script="Gujr" typeface="Shruti"/>
+        <a:font script="Khmr" typeface="MoolBoran"/>
+        <a:font script="Knda" typeface="Tunga"/>
+        <a:font script="Guru" typeface="Raavi"/>
+        <a:font script="Cans" typeface="Euphemia"/>
+        <a:font script="Cher" typeface="Plantagenet Cherokee"/>
+        <a:font script="Yiii" typeface="Microsoft Yi Baiti"/>
+        <a:font script="Tibt" typeface="Microsoft Himalaya"/>
+        <a:font script="Thaa" typeface="MV Boli"/>
+        <a:font script="Deva" typeface="Mangal"/>
+        <a:font script="Telu" typeface="Gautami"/>
+        <a:font script="Taml" typeface="Latha"/>
+        <a:font script="Syrc" typeface="Estrangelo Edessa"/>
+        <a:font script="Orya" typeface="Kalinga"/>
+        <a:font script="Mlym" typeface="Kartika"/>
+        <a:font script="Laoo" typeface="DokChampa"/>
+        <a:font script="Sinh" typeface="Iskoola Pota"/>
+        <a:font script="Mong" typeface="Mongolian Baiti"/>
+        <a:font script="Viet" typeface="Times New Roman"/>
+        <a:font script="Uigh" typeface="Microsoft Uighur"/>
+        <a:font script="Geor" typeface="Sylfaen"/>
+        <a:font script="Armn" typeface="Arial"/>
+        <a:font script="Bugi" typeface="Leelawadee UI"/>
+        <a:font script="Bopo" typeface="Microsoft JhengHei"/>
+        <a:font script="Java" typeface="Javanese Text"/>
+        <a:font script="Lisu" typeface="Segoe UI"/>
+        <a:font script="Mymr" typeface="Myanmar Text"/>
+        <a:font script="Nkoo" typeface="Ebrima"/>
+        <a:font script="Olck" typeface="Nirmala UI"/>
+        <a:font script="Osma" typeface="Ebrima"/>
+        <a:font script="Phag" typeface="Phagspa"/>
+        <a:font script="Syrn" typeface="Estrangelo Edessa"/>
+        <a:font script="Syrj" typeface="Estrangelo Edessa"/>
+        <a:font script="Syre" typeface="Estrangelo Edessa"/>
+        <a:font script="Sora" typeface="Nirmala UI"/>
+        <a:font script="Tale" typeface="Microsoft Tai Le"/>
+        <a:font script="Talu" typeface="Microsoft New Tai Lue"/>
+        <a:font script="Tfng" typeface="Ebrima"/>
+      </a:majorFont>
+      <a:minorFont>
+        <a:latin typeface="Calibri" panose="020F0502020204030204"/>
+        <a:ea typeface=""/>
+        <a:cs typeface=""/>
+        <a:font script="Jpan" typeface="游ゴシック"/>
+        <a:font script="Hang" typeface="맑은 고딕"/>
+        <a:font script="Hans" typeface="等线"/>
+        <a:font script="Hant" typeface="新細明體"/>
+        <a:font script="Arab" typeface="Arial"/>
+        <a:font script="Hebr" typeface="Arial"/>
+        <a:font script="Thai" typeface="Cordia New"/>
+        <a:font script="Ethi" typeface="Nyala"/>
+        <a:font script="Beng" typeface="Vrinda"/>
+        <a:font script="Gujr" typeface="Shruti"/>
+        <a:font script="Khmr" typeface="DaunPenh"/>
+        <a:font script="Knda" typeface="Tunga"/>
+        <a:font script="Guru" typeface="Raavi"/>
+        <a:font script="Cans" typeface="Euphemia"/>
+        <a:font script="Cher" typeface="Plantagenet Cherokee"/>
+        <a:font script="Yiii" typeface="Microsoft Yi Baiti"/>
+        <a:font script="Tibt" typeface="Microsoft Himalaya"/>
+        <a:font script="Thaa" typeface="MV Boli"/>
+        <a:font script="Deva" typeface="Mangal"/>
+        <a:font script="Telu" typeface="Gautami"/>
+        <a:font script="Taml" typeface="Latha"/>
+        <a:font script="Syrc" typeface="Estrangelo Edessa"/>
+        <a:font script="Orya" typeface="Kalinga"/>
+        <a:font script="Mlym" typeface="Kartika"/>
+        <a:font script="Laoo" typeface="DokChampa"/>
+        <a:font script="Sinh" typeface="Iskoola Pota"/>
+        <a:font script="Mong" typeface="Mongolian Baiti"/>
+        <a:font script="Viet" typeface="Arial"/>
+        <a:font script="Uigh" typeface="Microsoft Uighur"/>
+        <a:font script="Geor" typeface="Sylfaen"/>
+        <a:font script="Armn" typeface="Arial"/>
+        <a:font script="Bugi" typeface="Leelawadee UI"/>
+        <a:font script="Bopo" typeface="Microsoft JhengHei"/>
+        <a:font script="Java" typeface="Javanese Text"/>
+        <a:font script="Lisu" typeface="Segoe UI"/>
+        <a:font script="Mymr" typeface="Myanmar Text"/>
+        <a:font script="Nkoo" typeface="Ebrima"/>
+        <a:font script="Olck" typeface="Nirmala UI"/>
+        <a:font script="Osma" typeface="Ebrima"/>
+        <a:font script="Phag" typeface="Phagspa"/>
+        <a:font script="Syrn" typeface="Estrangelo Edessa"/>
+        <a:font script="Syrj" typeface="Estrangelo Edessa"/>
+        <a:font script="Syre" typeface="Estrangelo Edessa"/>
+        <a:font script="Sora" typeface="Nirmala UI"/>
+        <a:font script="Tale" typeface="Microsoft Tai Le"/>
+        <a:font script="Talu" typeface="Microsoft New Tai Lue"/>
+        <a:font script="Tfng" typeface="Ebrima"/>
+      </a:minorFont>
+    </a:fontScheme>
+    <a:fmtScheme name="Office">
+      <a:fillStyleLst>
+        <a:solidFill>
+          <a:schemeClr val="phClr"/>
+        </a:solidFill>
+        <a:gradFill rotWithShape="1">
+          <a:gsLst>
+            <a:gs pos="0">
+              <a:schemeClr val="phClr">
+                <a:lumMod val="110000"/>
+                <a:satMod val="105000"/>
+                <a:tint val="67000"/>
+              </a:schemeClr>
+            </a:gs>
+            <a:gs pos="50000">
+              <a:schemeClr val="phClr">
+                <a:lumMod val="105000"/>
+                <a:satMod val="103000"/>
+                <a:tint val="73000"/>
+              </a:schemeClr>
+            </a:gs>
+            <a:gs pos="100000">
+              <a:schemeClr val="phClr">
+                <a:lumMod val="105000"/>
+                <a:satMod val="109000"/>
+                <a:tint val="81000"/>
+              </a:schemeClr>
+            </a:gs>
+          </a:gsLst>
+          <a:lin ang="5400000" scaled="0"/>
+        </a:gradFill>
+        <a:gradFill rotWithShape="1">
+          <a:gsLst>
+            <a:gs pos="0">
+              <a:schemeClr val="phClr">
+                <a:satMod val="103000"/>
+                <a:lumMod val="102000"/>
+                <a:tint val="94000"/>
+              </a:schemeClr>
+            </a:gs>
+            <a:gs pos="50000">
+              <a:schemeClr val="phClr">
+                <a:satMod val="110000"/>
+                <a:lumMod val="100000"/>
+                <a:shade val="100000"/>
+              </a:schemeClr>
+            </a:gs>
+            <a:gs pos="100000">
+              <a:schemeClr val="phClr">
+                <a:lumMod val="99000"/>
+                <a:satMod val="120000"/>
+                <a:shade val="78000"/>
+              </a:schemeClr>
+            </a:gs>
+          </a:gsLst>
+          <a:lin ang="5400000" scaled="0"/>
+        </a:gradFill>
+      </a:fillStyleLst>
+      <a:lnStyleLst>
+        <a:ln w="6350" cap="flat" cmpd="sng" algn="ctr">
+          <a:solidFill>
+            <a:schemeClr val="phClr"/>
+          </a:solidFill>
+          <a:prstDash val="solid"/>
+          <a:miter lim="800000"/>
+        </a:ln>
+        <a:ln w="12700" cap="flat" cmpd="sng" algn="ctr">
+          <a:solidFill>
+            <a:schemeClr val="phClr"/>
+          </a:solidFill>
+          <a:prstDash val="solid"/>
+          <a:miter lim="800000"/>
+        </a:ln>
+        <a:ln w="19050" cap="flat" cmpd="sng" algn="ctr">
+          <a:solidFill>
+            <a:schemeClr val="phClr"/>
+          </a:solidFill>
+          <a:prstDash val="solid"/>
+          <a:miter lim="800000"/>
+        </a:ln>
+      </a:lnStyleLst>
+      <a:effectStyleLst>
+        <a:effectStyle>
+          <a:effectLst/>
+        </a:effectStyle>
+        <a:effectStyle>
+          <a:effectLst/>
+        </a:effectStyle>
+        <a:effectStyle>
+          <a:effectLst>
+            <a:outerShdw blurRad="57150" dist="19050" dir="5400000" algn="ctr" rotWithShape="0">
+              <a:srgbClr val="000000">
+                <a:alpha val="63000"/>
+              </a:srgbClr>
+            </a:outerShdw>
+          </a:effectLst>
+        </a:effectStyle>
+      </a:effectStyleLst>
+      <a:bgFillStyleLst>
+        <a:solidFill>
+          <a:schemeClr val="phClr"/>
+        </a:solidFill>
+        <a:solidFill>
+          <a:schemeClr val="phClr">
+            <a:tint val="95000"/>
+            <a:satMod val="170000"/>
+          </a:schemeClr>
+        </a:solidFill>
+        <a:gradFill rotWithShape="1">
+          <a:gsLst>
+            <a:gs pos="0">
+              <a:schemeClr val="phClr">
+                <a:tint val="93000"/>
+                <a:satMod val="150000"/>
+                <a:shade val="98000"/>
+                <a:lumMod val="102000"/>
+              </a:schemeClr>
+            </a:gs>
+            <a:gs pos="50000">
+              <a:schemeClr val="phClr">
+                <a:tint val="98000"/>
+                <a:satMod val="130000"/>
+                <a:shade val="90000"/>
+                <a:lumMod val="103000"/>
+              </a:schemeClr>
+            </a:gs>
+            <a:gs pos="100000">
+              <a:schemeClr val="phClr">
+                <a:shade val="63000"/>
+                <a:satMod val="120000"/>
+              </a:schemeClr>
+            </a:gs>
+          </a:gsLst>
+          <a:lin ang="5400000" scaled="0"/>
+        </a:gradFill>
+      </a:bgFillStyleLst>
+    </a:fmtScheme>
+  </a:themeElements>
+  <a:objectDefaults/>
+  <a:extraClrSchemeLst/>
+  <a:extLst>
+    <a:ext uri="{05A4C25C-085E-4340-85A3-A5531E510DB2}">
+      <thm15:themeFamily xmlns:thm15="http://schemas.microsoft.com/office/thememl/2012/main" name="Office Theme" id="{62F939B6-93AF-4DB8-9C6B-D6C7DFDC589F}" vid="{4A3C46E8-61CC-4603-A589-7422A47A8E4A}"/>
+    </a:ext>
+  </a:extLst>
+</a:theme>
 </file>
--- a/LinktList.pptx
+++ b/LinktList.pptx
@@ -12,9 +12,9 @@
     <p:sldId id="257" r:id="rId3"/>
     <p:sldId id="258" r:id="rId4"/>
     <p:sldId id="259" r:id="rId5"/>
-    <p:sldId id="260" r:id="rId6"/>
-    <p:sldId id="261" r:id="rId7"/>
-    <p:sldId id="262" r:id="rId8"/>
+    <p:sldId id="262" r:id="rId6"/>
+    <p:sldId id="260" r:id="rId7"/>
+    <p:sldId id="261" r:id="rId8"/>
     <p:sldId id="263" r:id="rId9"/>
     <p:sldId id="264" r:id="rId10"/>
     <p:sldId id="265" r:id="rId11"/>
@@ -5804,7 +5804,7 @@
           <p:cNvPr id="2" name="Titel 1">
             <a:extLst>
               <a:ext uri="{FF2B5EF4-FFF2-40B4-BE49-F238E27FC236}">
-                <a16:creationId xmlns:a16="http://schemas.microsoft.com/office/drawing/2014/main" id="{5DFD6CD2-0678-49C4-9C91-754C1DB1747C}"/>
+                <a16:creationId xmlns:a16="http://schemas.microsoft.com/office/drawing/2014/main" id="{0A445384-E386-4843-8BD8-BD86653F1395}"/>
               </a:ext>
             </a:extLst>
           </p:cNvPr>
@@ -5822,7 +5822,7 @@
           <a:p>
             <a:r>
               <a:rPr lang="de-AT" dirty="0"/>
-              <a:t>Einfügen einer weiteren Datei</a:t>
+              <a:t>Ausgabe aller daten der Liste</a:t>
             </a:r>
           </a:p>
         </p:txBody>
@@ -5832,7 +5832,7 @@
           <p:cNvPr id="5" name="Inhaltsplatzhalter 4">
             <a:extLst>
               <a:ext uri="{FF2B5EF4-FFF2-40B4-BE49-F238E27FC236}">
-                <a16:creationId xmlns:a16="http://schemas.microsoft.com/office/drawing/2014/main" id="{6478A696-9140-4660-B9B6-B0AEB0A250D0}"/>
+                <a16:creationId xmlns:a16="http://schemas.microsoft.com/office/drawing/2014/main" id="{EABA4321-501C-4D2F-9F3C-3007D56748D4}"/>
               </a:ext>
             </a:extLst>
           </p:cNvPr>
@@ -5851,8 +5851,8 @@
         </p:blipFill>
         <p:spPr>
           <a:xfrm>
-            <a:off x="902410" y="2188746"/>
-            <a:ext cx="10058400" cy="1431138"/>
+            <a:off x="1906622" y="1957702"/>
+            <a:ext cx="6441501" cy="2942595"/>
           </a:xfrm>
         </p:spPr>
       </p:pic>
@@ -5861,7 +5861,7 @@
           <p:cNvPr id="3" name="Datumsplatzhalter 2">
             <a:extLst>
               <a:ext uri="{FF2B5EF4-FFF2-40B4-BE49-F238E27FC236}">
-                <a16:creationId xmlns:a16="http://schemas.microsoft.com/office/drawing/2014/main" id="{CD56CBF7-AB08-4830-A2FC-6B4F9B57DE5A}"/>
+                <a16:creationId xmlns:a16="http://schemas.microsoft.com/office/drawing/2014/main" id="{281F2A3F-EDD1-44DD-9A5F-B2ED3C2F42BF}"/>
               </a:ext>
             </a:extLst>
           </p:cNvPr>
@@ -5877,7 +5877,7 @@
           <a:bodyPr/>
           <a:lstStyle/>
           <a:p>
-            <a:fld id="{ACB214B6-D3C5-482B-893D-7750D2C22E01}" type="datetime1">
+            <a:fld id="{1956250F-417C-40CD-BF55-061161E0914E}" type="datetime1">
               <a:rPr lang="de-AT" smtClean="0"/>
               <a:t>26.04.2022</a:t>
             </a:fld>
@@ -5890,7 +5890,7 @@
           <p:cNvPr id="4" name="Fußzeilenplatzhalter 3">
             <a:extLst>
               <a:ext uri="{FF2B5EF4-FFF2-40B4-BE49-F238E27FC236}">
-                <a16:creationId xmlns:a16="http://schemas.microsoft.com/office/drawing/2014/main" id="{B51496F2-398F-4FD4-B6EE-CD34231068AD}"/>
+                <a16:creationId xmlns:a16="http://schemas.microsoft.com/office/drawing/2014/main" id="{87ED5AD6-DFFC-4EBF-82BB-FED71166403B}"/>
               </a:ext>
             </a:extLst>
           </p:cNvPr>
@@ -5916,7 +5916,7 @@
     </p:spTree>
     <p:extLst>
       <p:ext uri="{BB962C8B-B14F-4D97-AF65-F5344CB8AC3E}">
-        <p14:creationId xmlns:p14="http://schemas.microsoft.com/office/powerpoint/2010/main" val="216861810"/>
+        <p14:creationId xmlns:p14="http://schemas.microsoft.com/office/powerpoint/2010/main" val="2488152955"/>
       </p:ext>
     </p:extLst>
   </p:cSld>
@@ -5948,7 +5948,7 @@
           <p:cNvPr id="2" name="Titel 1">
             <a:extLst>
               <a:ext uri="{FF2B5EF4-FFF2-40B4-BE49-F238E27FC236}">
-                <a16:creationId xmlns:a16="http://schemas.microsoft.com/office/drawing/2014/main" id="{F5D6F583-A836-49C4-8EAD-A306F8C25103}"/>
+                <a16:creationId xmlns:a16="http://schemas.microsoft.com/office/drawing/2014/main" id="{5DFD6CD2-0678-49C4-9C91-754C1DB1747C}"/>
               </a:ext>
             </a:extLst>
           </p:cNvPr>
@@ -5976,7 +5976,7 @@
           <p:cNvPr id="5" name="Inhaltsplatzhalter 4">
             <a:extLst>
               <a:ext uri="{FF2B5EF4-FFF2-40B4-BE49-F238E27FC236}">
-                <a16:creationId xmlns:a16="http://schemas.microsoft.com/office/drawing/2014/main" id="{5D68CFA6-B139-4A9F-9A29-29DB0F1D8B1C}"/>
+                <a16:creationId xmlns:a16="http://schemas.microsoft.com/office/drawing/2014/main" id="{6478A696-9140-4660-B9B6-B0AEB0A250D0}"/>
               </a:ext>
             </a:extLst>
           </p:cNvPr>
@@ -5995,8 +5995,8 @@
         </p:blipFill>
         <p:spPr>
           <a:xfrm>
-            <a:off x="1240649" y="1925976"/>
-            <a:ext cx="5772994" cy="3928554"/>
+            <a:off x="902410" y="2188746"/>
+            <a:ext cx="10058400" cy="1431138"/>
           </a:xfrm>
         </p:spPr>
       </p:pic>
@@ -6005,7 +6005,7 @@
           <p:cNvPr id="3" name="Datumsplatzhalter 2">
             <a:extLst>
               <a:ext uri="{FF2B5EF4-FFF2-40B4-BE49-F238E27FC236}">
-                <a16:creationId xmlns:a16="http://schemas.microsoft.com/office/drawing/2014/main" id="{613FECD4-C7FB-407F-A598-3F7DD8D3FFF0}"/>
+                <a16:creationId xmlns:a16="http://schemas.microsoft.com/office/drawing/2014/main" id="{CD56CBF7-AB08-4830-A2FC-6B4F9B57DE5A}"/>
               </a:ext>
             </a:extLst>
           </p:cNvPr>
@@ -6021,7 +6021,7 @@
           <a:bodyPr/>
           <a:lstStyle/>
           <a:p>
-            <a:fld id="{61BC7EC1-E367-40F4-9572-C858E0B29D32}" type="datetime1">
+            <a:fld id="{ACB214B6-D3C5-482B-893D-7750D2C22E01}" type="datetime1">
               <a:rPr lang="de-AT" smtClean="0"/>
               <a:t>26.04.2022</a:t>
             </a:fld>
@@ -6034,7 +6034,7 @@
           <p:cNvPr id="4" name="Fußzeilenplatzhalter 3">
             <a:extLst>
               <a:ext uri="{FF2B5EF4-FFF2-40B4-BE49-F238E27FC236}">
-                <a16:creationId xmlns:a16="http://schemas.microsoft.com/office/drawing/2014/main" id="{2D98DC00-FD54-4B6A-B6A2-055B2A04B295}"/>
+                <a16:creationId xmlns:a16="http://schemas.microsoft.com/office/drawing/2014/main" id="{B51496F2-398F-4FD4-B6EE-CD34231068AD}"/>
               </a:ext>
             </a:extLst>
           </p:cNvPr>
@@ -6060,7 +6060,7 @@
     </p:spTree>
     <p:extLst>
       <p:ext uri="{BB962C8B-B14F-4D97-AF65-F5344CB8AC3E}">
-        <p14:creationId xmlns:p14="http://schemas.microsoft.com/office/powerpoint/2010/main" val="4078460523"/>
+        <p14:creationId xmlns:p14="http://schemas.microsoft.com/office/powerpoint/2010/main" val="216861810"/>
       </p:ext>
     </p:extLst>
   </p:cSld>
@@ -6092,7 +6092,7 @@
           <p:cNvPr id="2" name="Titel 1">
             <a:extLst>
               <a:ext uri="{FF2B5EF4-FFF2-40B4-BE49-F238E27FC236}">
-                <a16:creationId xmlns:a16="http://schemas.microsoft.com/office/drawing/2014/main" id="{0A445384-E386-4843-8BD8-BD86653F1395}"/>
+                <a16:creationId xmlns:a16="http://schemas.microsoft.com/office/drawing/2014/main" id="{F5D6F583-A836-49C4-8EAD-A306F8C25103}"/>
               </a:ext>
             </a:extLst>
           </p:cNvPr>
@@ -6110,17 +6110,74 @@
           <a:p>
             <a:r>
               <a:rPr lang="de-AT" dirty="0"/>
-              <a:t>Ausgabe aller daten der Liste</a:t>
+              <a:t>Einfügen einer weiteren Datei</a:t>
+            </a:r>
+          </a:p>
+        </p:txBody>
+      </p:sp>
+      <p:sp>
+        <p:nvSpPr>
+          <p:cNvPr id="3" name="Datumsplatzhalter 2">
+            <a:extLst>
+              <a:ext uri="{FF2B5EF4-FFF2-40B4-BE49-F238E27FC236}">
+                <a16:creationId xmlns:a16="http://schemas.microsoft.com/office/drawing/2014/main" id="{613FECD4-C7FB-407F-A598-3F7DD8D3FFF0}"/>
+              </a:ext>
+            </a:extLst>
+          </p:cNvPr>
+          <p:cNvSpPr>
+            <a:spLocks noGrp="1"/>
+          </p:cNvSpPr>
+          <p:nvPr>
+            <p:ph type="dt" sz="half" idx="10"/>
+          </p:nvPr>
+        </p:nvSpPr>
+        <p:spPr/>
+        <p:txBody>
+          <a:bodyPr/>
+          <a:lstStyle/>
+          <a:p>
+            <a:fld id="{61BC7EC1-E367-40F4-9572-C858E0B29D32}" type="datetime1">
+              <a:rPr lang="de-AT" smtClean="0"/>
+              <a:t>26.04.2022</a:t>
+            </a:fld>
+            <a:endParaRPr lang="de-AT"/>
+          </a:p>
+        </p:txBody>
+      </p:sp>
+      <p:sp>
+        <p:nvSpPr>
+          <p:cNvPr id="4" name="Fußzeilenplatzhalter 3">
+            <a:extLst>
+              <a:ext uri="{FF2B5EF4-FFF2-40B4-BE49-F238E27FC236}">
+                <a16:creationId xmlns:a16="http://schemas.microsoft.com/office/drawing/2014/main" id="{2D98DC00-FD54-4B6A-B6A2-055B2A04B295}"/>
+              </a:ext>
+            </a:extLst>
+          </p:cNvPr>
+          <p:cNvSpPr>
+            <a:spLocks noGrp="1"/>
+          </p:cNvSpPr>
+          <p:nvPr>
+            <p:ph type="ftr" sz="quarter" idx="11"/>
+          </p:nvPr>
+        </p:nvSpPr>
+        <p:spPr/>
+        <p:txBody>
+          <a:bodyPr/>
+          <a:lstStyle/>
+          <a:p>
+            <a:r>
+              <a:rPr lang="de-AT"/>
+              <a:t>Lorenz Kasieczka/Paul Krenmayr</a:t>
             </a:r>
           </a:p>
         </p:txBody>
       </p:sp>
       <p:pic>
         <p:nvPicPr>
-          <p:cNvPr id="5" name="Inhaltsplatzhalter 4">
+          <p:cNvPr id="11" name="Inhaltsplatzhalter 10">
             <a:extLst>
               <a:ext uri="{FF2B5EF4-FFF2-40B4-BE49-F238E27FC236}">
-                <a16:creationId xmlns:a16="http://schemas.microsoft.com/office/drawing/2014/main" id="{EABA4321-501C-4D2F-9F3C-3007D56748D4}"/>
+                <a16:creationId xmlns:a16="http://schemas.microsoft.com/office/drawing/2014/main" id="{35BF1A7A-11A1-42E3-999E-E4C66AC3C354}"/>
               </a:ext>
             </a:extLst>
           </p:cNvPr>
@@ -6139,72 +6196,15 @@
         </p:blipFill>
         <p:spPr>
           <a:xfrm>
-            <a:off x="1906622" y="1957702"/>
-            <a:ext cx="6441501" cy="2942595"/>
+            <a:off x="1183296" y="1876628"/>
+            <a:ext cx="5372100" cy="3981450"/>
           </a:xfrm>
         </p:spPr>
       </p:pic>
-      <p:sp>
-        <p:nvSpPr>
-          <p:cNvPr id="3" name="Datumsplatzhalter 2">
-            <a:extLst>
-              <a:ext uri="{FF2B5EF4-FFF2-40B4-BE49-F238E27FC236}">
-                <a16:creationId xmlns:a16="http://schemas.microsoft.com/office/drawing/2014/main" id="{281F2A3F-EDD1-44DD-9A5F-B2ED3C2F42BF}"/>
-              </a:ext>
-            </a:extLst>
-          </p:cNvPr>
-          <p:cNvSpPr>
-            <a:spLocks noGrp="1"/>
-          </p:cNvSpPr>
-          <p:nvPr>
-            <p:ph type="dt" sz="half" idx="10"/>
-          </p:nvPr>
-        </p:nvSpPr>
-        <p:spPr/>
-        <p:txBody>
-          <a:bodyPr/>
-          <a:lstStyle/>
-          <a:p>
-            <a:fld id="{1956250F-417C-40CD-BF55-061161E0914E}" type="datetime1">
-              <a:rPr lang="de-AT" smtClean="0"/>
-              <a:t>26.04.2022</a:t>
-            </a:fld>
-            <a:endParaRPr lang="de-AT"/>
-          </a:p>
-        </p:txBody>
-      </p:sp>
-      <p:sp>
-        <p:nvSpPr>
-          <p:cNvPr id="4" name="Fußzeilenplatzhalter 3">
-            <a:extLst>
-              <a:ext uri="{FF2B5EF4-FFF2-40B4-BE49-F238E27FC236}">
-                <a16:creationId xmlns:a16="http://schemas.microsoft.com/office/drawing/2014/main" id="{87ED5AD6-DFFC-4EBF-82BB-FED71166403B}"/>
-              </a:ext>
-            </a:extLst>
-          </p:cNvPr>
-          <p:cNvSpPr>
-            <a:spLocks noGrp="1"/>
-          </p:cNvSpPr>
-          <p:nvPr>
-            <p:ph type="ftr" sz="quarter" idx="11"/>
-          </p:nvPr>
-        </p:nvSpPr>
-        <p:spPr/>
-        <p:txBody>
-          <a:bodyPr/>
-          <a:lstStyle/>
-          <a:p>
-            <a:r>
-              <a:rPr lang="de-AT"/>
-              <a:t>Lorenz Kasieczka/Paul Krenmayr</a:t>
-            </a:r>
-          </a:p>
-        </p:txBody>
-      </p:sp>
     </p:spTree>
     <p:extLst>
       <p:ext uri="{BB962C8B-B14F-4D97-AF65-F5344CB8AC3E}">
-        <p14:creationId xmlns:p14="http://schemas.microsoft.com/office/powerpoint/2010/main" val="2488152955"/>
+        <p14:creationId xmlns:p14="http://schemas.microsoft.com/office/powerpoint/2010/main" val="4078460523"/>
       </p:ext>
     </p:extLst>
   </p:cSld>
@@ -6403,31 +6403,35 @@
           </a:p>
         </p:txBody>
       </p:sp>
-      <p:sp>
-        <p:nvSpPr>
-          <p:cNvPr id="3" name="Inhaltsplatzhalter 2">
+      <p:pic>
+        <p:nvPicPr>
+          <p:cNvPr id="7" name="Inhaltsplatzhalter 6">
             <a:extLst>
               <a:ext uri="{FF2B5EF4-FFF2-40B4-BE49-F238E27FC236}">
-                <a16:creationId xmlns:a16="http://schemas.microsoft.com/office/drawing/2014/main" id="{EDF36AB4-CBF4-47F6-ACEC-F8E4DEBB9D02}"/>
+                <a16:creationId xmlns:a16="http://schemas.microsoft.com/office/drawing/2014/main" id="{A18D9B8F-9842-43B0-BAE5-C6ABC19A19FC}"/>
               </a:ext>
             </a:extLst>
           </p:cNvPr>
-          <p:cNvSpPr>
-            <a:spLocks noGrp="1"/>
-          </p:cNvSpPr>
+          <p:cNvPicPr>
+            <a:picLocks noGrp="1" noChangeAspect="1"/>
+          </p:cNvPicPr>
           <p:nvPr>
             <p:ph idx="1"/>
           </p:nvPr>
-        </p:nvSpPr>
-        <p:spPr/>
-        <p:txBody>
-          <a:bodyPr/>
-          <a:lstStyle/>
-          <a:p>
-            <a:endParaRPr lang="de-AT"/>
-          </a:p>
-        </p:txBody>
-      </p:sp>
+        </p:nvPicPr>
+        <p:blipFill>
+          <a:blip r:embed="rId2"/>
+          <a:stretch>
+            <a:fillRect/>
+          </a:stretch>
+        </p:blipFill>
+        <p:spPr>
+          <a:xfrm>
+            <a:off x="1140676" y="1955447"/>
+            <a:ext cx="6239544" cy="2752740"/>
+          </a:xfrm>
+        </p:spPr>
+      </p:pic>
       <p:sp>
         <p:nvSpPr>
           <p:cNvPr id="4" name="Datumsplatzhalter 3">

--- a/LinktList.pptx
+++ b/LinktList.pptx
@@ -703,7 +703,7 @@
           <a:bodyPr/>
           <a:lstStyle/>
           <a:p>
-            <a:fld id="{4D231201-DB20-4F0B-A791-0DC91272005A}" type="datetime1">
+            <a:fld id="{E6D78355-1177-46D4-856B-723F51AB0960}" type="datetime1">
               <a:rPr lang="de-AT" smtClean="0"/>
               <a:t>26.04.2022</a:t>
             </a:fld>
@@ -804,6 +804,18 @@
   <p:clrMapOvr>
     <a:masterClrMapping/>
   </p:clrMapOvr>
+  <mc:AlternateContent xmlns:mc="http://schemas.openxmlformats.org/markup-compatibility/2006">
+    <mc:Choice xmlns:p15="http://schemas.microsoft.com/office/powerpoint/2012/main" Requires="p15">
+      <p:transition spd="slow">
+        <p15:prstTrans prst="pageCurlDouble"/>
+      </p:transition>
+    </mc:Choice>
+    <mc:Fallback>
+      <p:transition spd="slow">
+        <p:fade/>
+      </p:transition>
+    </mc:Fallback>
+  </mc:AlternateContent>
 </p:sldLayout>
 </file>
 
@@ -914,7 +926,7 @@
           <a:bodyPr/>
           <a:lstStyle/>
           <a:p>
-            <a:fld id="{61C0C1B8-FA19-4DB7-B2ED-AF28A8A890C7}" type="datetime1">
+            <a:fld id="{74FE0D03-7770-4D91-991F-4416824900BF}" type="datetime1">
               <a:rPr lang="de-AT" smtClean="0"/>
               <a:t>26.04.2022</a:t>
             </a:fld>
@@ -977,6 +989,18 @@
   <p:clrMapOvr>
     <a:masterClrMapping/>
   </p:clrMapOvr>
+  <mc:AlternateContent xmlns:mc="http://schemas.openxmlformats.org/markup-compatibility/2006">
+    <mc:Choice xmlns:p15="http://schemas.microsoft.com/office/powerpoint/2012/main" Requires="p15">
+      <p:transition spd="slow">
+        <p15:prstTrans prst="pageCurlDouble"/>
+      </p:transition>
+    </mc:Choice>
+    <mc:Fallback>
+      <p:transition spd="slow">
+        <p:fade/>
+      </p:transition>
+    </mc:Fallback>
+  </mc:AlternateContent>
 </p:sldLayout>
 </file>
 
@@ -1173,7 +1197,7 @@
           <a:bodyPr/>
           <a:lstStyle/>
           <a:p>
-            <a:fld id="{081E1831-119A-4ABD-B137-126DF1E1A543}" type="datetime1">
+            <a:fld id="{5E856474-C99D-4EC1-9D79-F08E857F8404}" type="datetime1">
               <a:rPr lang="de-AT" smtClean="0"/>
               <a:t>26.04.2022</a:t>
             </a:fld>
@@ -1236,6 +1260,18 @@
   <p:clrMapOvr>
     <a:masterClrMapping/>
   </p:clrMapOvr>
+  <mc:AlternateContent xmlns:mc="http://schemas.openxmlformats.org/markup-compatibility/2006">
+    <mc:Choice xmlns:p15="http://schemas.microsoft.com/office/powerpoint/2012/main" Requires="p15">
+      <p:transition spd="slow">
+        <p15:prstTrans prst="pageCurlDouble"/>
+      </p:transition>
+    </mc:Choice>
+    <mc:Fallback>
+      <p:transition spd="slow">
+        <p:fade/>
+      </p:transition>
+    </mc:Fallback>
+  </mc:AlternateContent>
 </p:sldLayout>
 </file>
 
@@ -1350,7 +1386,7 @@
           <a:bodyPr/>
           <a:lstStyle/>
           <a:p>
-            <a:fld id="{E44AFEC0-BDEE-49D0-AC55-3454BA8F8ED0}" type="datetime1">
+            <a:fld id="{79F1E837-97EE-489F-A039-E558DFA7CC58}" type="datetime1">
               <a:rPr lang="de-AT" smtClean="0"/>
               <a:t>26.04.2022</a:t>
             </a:fld>
@@ -1413,6 +1449,18 @@
   <p:clrMapOvr>
     <a:masterClrMapping/>
   </p:clrMapOvr>
+  <mc:AlternateContent xmlns:mc="http://schemas.openxmlformats.org/markup-compatibility/2006">
+    <mc:Choice xmlns:p15="http://schemas.microsoft.com/office/powerpoint/2012/main" Requires="p15">
+      <p:transition spd="slow">
+        <p15:prstTrans prst="pageCurlDouble"/>
+      </p:transition>
+    </mc:Choice>
+    <mc:Fallback>
+      <p:transition spd="slow">
+        <p:fade/>
+      </p:transition>
+    </mc:Fallback>
+  </mc:AlternateContent>
 </p:sldLayout>
 </file>
 
@@ -1696,7 +1744,7 @@
           <a:bodyPr/>
           <a:lstStyle/>
           <a:p>
-            <a:fld id="{8A1E3210-8ED0-4220-AB5D-4CD2CA9ABC87}" type="datetime1">
+            <a:fld id="{B65F22D6-2A5F-49B5-987E-AD5E1517CE17}" type="datetime1">
               <a:rPr lang="de-AT" smtClean="0"/>
               <a:t>26.04.2022</a:t>
             </a:fld>
@@ -1797,6 +1845,18 @@
   <p:clrMapOvr>
     <a:masterClrMapping/>
   </p:clrMapOvr>
+  <mc:AlternateContent xmlns:mc="http://schemas.openxmlformats.org/markup-compatibility/2006">
+    <mc:Choice xmlns:p15="http://schemas.microsoft.com/office/powerpoint/2012/main" Requires="p15">
+      <p:transition spd="slow">
+        <p15:prstTrans prst="pageCurlDouble"/>
+      </p:transition>
+    </mc:Choice>
+    <mc:Fallback>
+      <p:transition spd="slow">
+        <p:fade/>
+      </p:transition>
+    </mc:Fallback>
+  </mc:AlternateContent>
 </p:sldLayout>
 </file>
 
@@ -1974,7 +2034,7 @@
           <a:bodyPr/>
           <a:lstStyle/>
           <a:p>
-            <a:fld id="{5EBC6E11-645B-423A-9407-C41BA404F6F0}" type="datetime1">
+            <a:fld id="{E4A8C5EB-1741-4BE2-A535-782AD28E66B9}" type="datetime1">
               <a:rPr lang="de-AT" smtClean="0"/>
               <a:t>26.04.2022</a:t>
             </a:fld>
@@ -2037,6 +2097,18 @@
   <p:clrMapOvr>
     <a:masterClrMapping/>
   </p:clrMapOvr>
+  <mc:AlternateContent xmlns:mc="http://schemas.openxmlformats.org/markup-compatibility/2006">
+    <mc:Choice xmlns:p15="http://schemas.microsoft.com/office/powerpoint/2012/main" Requires="p15">
+      <p:transition spd="slow">
+        <p15:prstTrans prst="pageCurlDouble"/>
+      </p:transition>
+    </mc:Choice>
+    <mc:Fallback>
+      <p:transition spd="slow">
+        <p:fade/>
+      </p:transition>
+    </mc:Fallback>
+  </mc:AlternateContent>
 </p:sldLayout>
 </file>
 
@@ -2356,7 +2428,7 @@
           <a:bodyPr/>
           <a:lstStyle/>
           <a:p>
-            <a:fld id="{F43EC686-9519-4423-859E-E2C2A209D395}" type="datetime1">
+            <a:fld id="{CCE06CB1-A20C-4B60-9FF1-6325385583A0}" type="datetime1">
               <a:rPr lang="de-AT" smtClean="0"/>
               <a:t>26.04.2022</a:t>
             </a:fld>
@@ -2419,6 +2491,18 @@
   <p:clrMapOvr>
     <a:masterClrMapping/>
   </p:clrMapOvr>
+  <mc:AlternateContent xmlns:mc="http://schemas.openxmlformats.org/markup-compatibility/2006">
+    <mc:Choice xmlns:p15="http://schemas.microsoft.com/office/powerpoint/2012/main" Requires="p15">
+      <p:transition spd="slow">
+        <p15:prstTrans prst="pageCurlDouble"/>
+      </p:transition>
+    </mc:Choice>
+    <mc:Fallback>
+      <p:transition spd="slow">
+        <p:fade/>
+      </p:transition>
+    </mc:Fallback>
+  </mc:AlternateContent>
 </p:sldLayout>
 </file>
 
@@ -2477,7 +2561,7 @@
           <a:bodyPr/>
           <a:lstStyle/>
           <a:p>
-            <a:fld id="{5F68AEAB-E8BE-4100-A44F-E0CFFEAF6B36}" type="datetime1">
+            <a:fld id="{996D5EAB-CE8C-4FC1-BED4-6C26C0533A6D}" type="datetime1">
               <a:rPr lang="de-AT" smtClean="0"/>
               <a:t>26.04.2022</a:t>
             </a:fld>
@@ -2540,6 +2624,18 @@
   <p:clrMapOvr>
     <a:masterClrMapping/>
   </p:clrMapOvr>
+  <mc:AlternateContent xmlns:mc="http://schemas.openxmlformats.org/markup-compatibility/2006">
+    <mc:Choice xmlns:p15="http://schemas.microsoft.com/office/powerpoint/2012/main" Requires="p15">
+      <p:transition spd="slow">
+        <p15:prstTrans prst="pageCurlDouble"/>
+      </p:transition>
+    </mc:Choice>
+    <mc:Fallback>
+      <p:transition spd="slow">
+        <p:fade/>
+      </p:transition>
+    </mc:Fallback>
+  </mc:AlternateContent>
 </p:sldLayout>
 </file>
 
@@ -2651,7 +2747,7 @@
           <a:bodyPr/>
           <a:lstStyle/>
           <a:p>
-            <a:fld id="{52D9F024-72E6-4F5C-A241-96896B6BB0D9}" type="datetime1">
+            <a:fld id="{10E87B5C-7896-47D8-94AE-2B9102368A11}" type="datetime1">
               <a:rPr lang="de-AT" smtClean="0"/>
               <a:t>26.04.2022</a:t>
             </a:fld>
@@ -2722,6 +2818,18 @@
   <p:clrMapOvr>
     <a:masterClrMapping/>
   </p:clrMapOvr>
+  <mc:AlternateContent xmlns:mc="http://schemas.openxmlformats.org/markup-compatibility/2006">
+    <mc:Choice xmlns:p15="http://schemas.microsoft.com/office/powerpoint/2012/main" Requires="p15">
+      <p:transition spd="slow">
+        <p15:prstTrans prst="pageCurlDouble"/>
+      </p:transition>
+    </mc:Choice>
+    <mc:Fallback>
+      <p:transition spd="slow">
+        <p:fade/>
+      </p:transition>
+    </mc:Fallback>
+  </mc:AlternateContent>
 </p:sldLayout>
 </file>
 
@@ -3008,7 +3116,7 @@
             </a:lvl1pPr>
           </a:lstStyle>
           <a:p>
-            <a:fld id="{DB5F310C-A421-4506-9B41-AFA8B0D82CC1}" type="datetime1">
+            <a:fld id="{D4ECE46F-E8FF-4EBE-8D01-4E6BFB22E768}" type="datetime1">
               <a:rPr lang="de-AT" smtClean="0"/>
               <a:t>26.04.2022</a:t>
             </a:fld>
@@ -3092,6 +3200,18 @@
   <p:clrMapOvr>
     <a:masterClrMapping/>
   </p:clrMapOvr>
+  <mc:AlternateContent xmlns:mc="http://schemas.openxmlformats.org/markup-compatibility/2006">
+    <mc:Choice xmlns:p15="http://schemas.microsoft.com/office/powerpoint/2012/main" Requires="p15">
+      <p:transition spd="slow">
+        <p15:prstTrans prst="pageCurlDouble"/>
+      </p:transition>
+    </mc:Choice>
+    <mc:Fallback>
+      <p:transition spd="slow">
+        <p:fade/>
+      </p:transition>
+    </mc:Fallback>
+  </mc:AlternateContent>
 </p:sldLayout>
 </file>
 
@@ -3393,7 +3513,7 @@
           <a:bodyPr/>
           <a:lstStyle/>
           <a:p>
-            <a:fld id="{A25022E6-FAA1-4D4B-B736-F07C14870DA0}" type="datetime1">
+            <a:fld id="{37CD45A0-2E99-4C8E-849A-1DC448BDB045}" type="datetime1">
               <a:rPr lang="de-AT" smtClean="0"/>
               <a:t>26.04.2022</a:t>
             </a:fld>
@@ -3456,6 +3576,18 @@
   <p:clrMapOvr>
     <a:masterClrMapping/>
   </p:clrMapOvr>
+  <mc:AlternateContent xmlns:mc="http://schemas.openxmlformats.org/markup-compatibility/2006">
+    <mc:Choice xmlns:p15="http://schemas.microsoft.com/office/powerpoint/2012/main" Requires="p15">
+      <p:transition spd="slow">
+        <p15:prstTrans prst="pageCurlDouble"/>
+      </p:transition>
+    </mc:Choice>
+    <mc:Fallback>
+      <p:transition spd="slow">
+        <p:fade/>
+      </p:transition>
+    </mc:Fallback>
+  </mc:AlternateContent>
 </p:sldLayout>
 </file>
 
@@ -3683,7 +3815,7 @@
             </a:lvl1pPr>
           </a:lstStyle>
           <a:p>
-            <a:fld id="{CE34C87D-3726-4E5E-8BC6-3009AB6B0991}" type="datetime1">
+            <a:fld id="{62B59B76-62DF-48BA-8514-CA36232E2CAC}" type="datetime1">
               <a:rPr lang="de-AT" smtClean="0"/>
               <a:t>26.04.2022</a:t>
             </a:fld>
@@ -3827,7 +3959,19 @@
     <p:sldLayoutId id="2147483670" r:id="rId10"/>
     <p:sldLayoutId id="2147483671" r:id="rId11"/>
   </p:sldLayoutIdLst>
-  <p:hf sldNum="0" hdr="0"/>
+  <mc:AlternateContent xmlns:mc="http://schemas.openxmlformats.org/markup-compatibility/2006">
+    <mc:Choice xmlns:p15="http://schemas.microsoft.com/office/powerpoint/2012/main" Requires="p15">
+      <p:transition spd="slow">
+        <p15:prstTrans prst="pageCurlDouble"/>
+      </p:transition>
+    </mc:Choice>
+    <mc:Fallback>
+      <p:transition spd="slow">
+        <p:fade/>
+      </p:transition>
+    </mc:Fallback>
+  </mc:AlternateContent>
+  <p:hf hdr="0"/>
   <p:txStyles>
     <p:titleStyle>
       <a:lvl1pPr algn="l" defTabSz="914400" rtl="0" eaLnBrk="1" latinLnBrk="0" hangingPunct="1">
@@ -4479,6 +4623,14 @@
   <p:clrMapOvr>
     <a:masterClrMapping/>
   </p:clrMapOvr>
+  <mc:AlternateContent xmlns:mc="http://schemas.openxmlformats.org/markup-compatibility/2006">
+    <mc:Choice xmlns:p14="http://schemas.microsoft.com/office/powerpoint/2010/main" Requires="p14">
+      <p:transition p14:dur="0"/>
+    </mc:Choice>
+    <mc:Fallback>
+      <p:transition/>
+    </mc:Fallback>
+  </mc:AlternateContent>
 </p:sld>
 </file>
 
@@ -4582,7 +4734,7 @@
           <a:bodyPr/>
           <a:lstStyle/>
           <a:p>
-            <a:fld id="{F58AFEE9-EBDD-499B-8225-E63A1CB0D380}" type="datetime1">
+            <a:fld id="{B314B7DD-F60B-4035-83E5-1CD6D5C2EABF}" type="datetime1">
               <a:rPr lang="de-AT" smtClean="0"/>
               <a:t>26.04.2022</a:t>
             </a:fld>
@@ -4615,6 +4767,35 @@
               <a:rPr lang="de-AT"/>
               <a:t>Lorenz Kasieczka/Paul Krenmayr</a:t>
             </a:r>
+          </a:p>
+        </p:txBody>
+      </p:sp>
+      <p:sp>
+        <p:nvSpPr>
+          <p:cNvPr id="6" name="Foliennummernplatzhalter 5">
+            <a:extLst>
+              <a:ext uri="{FF2B5EF4-FFF2-40B4-BE49-F238E27FC236}">
+                <a16:creationId xmlns:a16="http://schemas.microsoft.com/office/drawing/2014/main" id="{758492D8-2090-4F89-9D62-6312E1F52DA1}"/>
+              </a:ext>
+            </a:extLst>
+          </p:cNvPr>
+          <p:cNvSpPr>
+            <a:spLocks noGrp="1"/>
+          </p:cNvSpPr>
+          <p:nvPr>
+            <p:ph type="sldNum" sz="quarter" idx="12"/>
+          </p:nvPr>
+        </p:nvSpPr>
+        <p:spPr/>
+        <p:txBody>
+          <a:bodyPr/>
+          <a:lstStyle/>
+          <a:p>
+            <a:fld id="{D7BAE821-9E9B-41B7-8CA6-BA01A3168890}" type="slidenum">
+              <a:rPr lang="de-AT" smtClean="0"/>
+              <a:t>10</a:t>
+            </a:fld>
+            <a:endParaRPr lang="de-AT"/>
           </a:p>
         </p:txBody>
       </p:sp>
@@ -4628,6 +4809,18 @@
   <p:clrMapOvr>
     <a:masterClrMapping/>
   </p:clrMapOvr>
+  <mc:AlternateContent xmlns:mc="http://schemas.openxmlformats.org/markup-compatibility/2006">
+    <mc:Choice xmlns:p15="http://schemas.microsoft.com/office/powerpoint/2012/main" Requires="p15">
+      <p:transition spd="slow">
+        <p15:prstTrans prst="pageCurlDouble"/>
+      </p:transition>
+    </mc:Choice>
+    <mc:Fallback>
+      <p:transition spd="slow">
+        <p:fade/>
+      </p:transition>
+    </mc:Fallback>
+  </mc:AlternateContent>
 </p:sld>
 </file>
 
@@ -4676,31 +4869,35 @@
           </a:p>
         </p:txBody>
       </p:sp>
-      <p:sp>
-        <p:nvSpPr>
-          <p:cNvPr id="3" name="Inhaltsplatzhalter 2">
+      <p:pic>
+        <p:nvPicPr>
+          <p:cNvPr id="7" name="Inhaltsplatzhalter 6">
             <a:extLst>
               <a:ext uri="{FF2B5EF4-FFF2-40B4-BE49-F238E27FC236}">
-                <a16:creationId xmlns:a16="http://schemas.microsoft.com/office/drawing/2014/main" id="{0F1A93FE-630A-4F28-9407-208501579300}"/>
+                <a16:creationId xmlns:a16="http://schemas.microsoft.com/office/drawing/2014/main" id="{8BF8E679-5FF0-4EDC-97A7-F4573BA8EC70}"/>
               </a:ext>
             </a:extLst>
           </p:cNvPr>
-          <p:cNvSpPr>
-            <a:spLocks noGrp="1"/>
-          </p:cNvSpPr>
+          <p:cNvPicPr>
+            <a:picLocks noGrp="1" noChangeAspect="1"/>
+          </p:cNvPicPr>
           <p:nvPr>
             <p:ph idx="1"/>
           </p:nvPr>
-        </p:nvSpPr>
-        <p:spPr/>
-        <p:txBody>
-          <a:bodyPr/>
-          <a:lstStyle/>
-          <a:p>
-            <a:endParaRPr lang="de-AT"/>
-          </a:p>
-        </p:txBody>
-      </p:sp>
+        </p:nvPicPr>
+        <p:blipFill>
+          <a:blip r:embed="rId2"/>
+          <a:stretch>
+            <a:fillRect/>
+          </a:stretch>
+        </p:blipFill>
+        <p:spPr>
+          <a:xfrm>
+            <a:off x="1225753" y="1902972"/>
+            <a:ext cx="3706170" cy="4026201"/>
+          </a:xfrm>
+        </p:spPr>
+      </p:pic>
       <p:sp>
         <p:nvSpPr>
           <p:cNvPr id="4" name="Datumsplatzhalter 3">
@@ -4722,7 +4919,7 @@
           <a:bodyPr/>
           <a:lstStyle/>
           <a:p>
-            <a:fld id="{C8250135-1A07-4E94-8456-00311F83E109}" type="datetime1">
+            <a:fld id="{CE878ADA-1BA9-4956-BC90-AFDFCB442FBD}" type="datetime1">
               <a:rPr lang="de-AT" smtClean="0"/>
               <a:t>26.04.2022</a:t>
             </a:fld>
@@ -4755,6 +4952,35 @@
               <a:rPr lang="de-AT"/>
               <a:t>Lorenz Kasieczka/Paul Krenmayr</a:t>
             </a:r>
+          </a:p>
+        </p:txBody>
+      </p:sp>
+      <p:sp>
+        <p:nvSpPr>
+          <p:cNvPr id="8" name="Foliennummernplatzhalter 7">
+            <a:extLst>
+              <a:ext uri="{FF2B5EF4-FFF2-40B4-BE49-F238E27FC236}">
+                <a16:creationId xmlns:a16="http://schemas.microsoft.com/office/drawing/2014/main" id="{FA5C529C-0E7C-45D0-9BBA-46B05AB16865}"/>
+              </a:ext>
+            </a:extLst>
+          </p:cNvPr>
+          <p:cNvSpPr>
+            <a:spLocks noGrp="1"/>
+          </p:cNvSpPr>
+          <p:nvPr>
+            <p:ph type="sldNum" sz="quarter" idx="12"/>
+          </p:nvPr>
+        </p:nvSpPr>
+        <p:spPr/>
+        <p:txBody>
+          <a:bodyPr/>
+          <a:lstStyle/>
+          <a:p>
+            <a:fld id="{D7BAE821-9E9B-41B7-8CA6-BA01A3168890}" type="slidenum">
+              <a:rPr lang="de-AT" smtClean="0"/>
+              <a:t>11</a:t>
+            </a:fld>
+            <a:endParaRPr lang="de-AT"/>
           </a:p>
         </p:txBody>
       </p:sp>
@@ -4768,6 +4994,18 @@
   <p:clrMapOvr>
     <a:masterClrMapping/>
   </p:clrMapOvr>
+  <mc:AlternateContent xmlns:mc="http://schemas.openxmlformats.org/markup-compatibility/2006">
+    <mc:Choice xmlns:p15="http://schemas.microsoft.com/office/powerpoint/2012/main" Requires="p15">
+      <p:transition spd="slow">
+        <p15:prstTrans prst="pageCurlDouble"/>
+      </p:transition>
+    </mc:Choice>
+    <mc:Fallback>
+      <p:transition spd="slow">
+        <p:fade/>
+      </p:transition>
+    </mc:Fallback>
+  </mc:AlternateContent>
 </p:sld>
 </file>
 
@@ -4871,7 +5109,7 @@
           <a:bodyPr/>
           <a:lstStyle/>
           <a:p>
-            <a:fld id="{7C086CC1-AFFE-4A1D-B567-8B7033B38F6C}" type="datetime1">
+            <a:fld id="{03C9B8DB-9E2D-40AD-9A8B-E2906FB7294F}" type="datetime1">
               <a:rPr lang="de-AT" smtClean="0"/>
               <a:t>26.04.2022</a:t>
             </a:fld>
@@ -4904,6 +5142,35 @@
               <a:rPr lang="de-AT"/>
               <a:t>Lorenz Kasieczka/Paul Krenmayr</a:t>
             </a:r>
+          </a:p>
+        </p:txBody>
+      </p:sp>
+      <p:sp>
+        <p:nvSpPr>
+          <p:cNvPr id="6" name="Foliennummernplatzhalter 5">
+            <a:extLst>
+              <a:ext uri="{FF2B5EF4-FFF2-40B4-BE49-F238E27FC236}">
+                <a16:creationId xmlns:a16="http://schemas.microsoft.com/office/drawing/2014/main" id="{97F1EB69-53E1-4466-8F25-06C9613F0674}"/>
+              </a:ext>
+            </a:extLst>
+          </p:cNvPr>
+          <p:cNvSpPr>
+            <a:spLocks noGrp="1"/>
+          </p:cNvSpPr>
+          <p:nvPr>
+            <p:ph type="sldNum" sz="quarter" idx="12"/>
+          </p:nvPr>
+        </p:nvSpPr>
+        <p:spPr/>
+        <p:txBody>
+          <a:bodyPr/>
+          <a:lstStyle/>
+          <a:p>
+            <a:fld id="{D7BAE821-9E9B-41B7-8CA6-BA01A3168890}" type="slidenum">
+              <a:rPr lang="de-AT" smtClean="0"/>
+              <a:t>12</a:t>
+            </a:fld>
+            <a:endParaRPr lang="de-AT"/>
           </a:p>
         </p:txBody>
       </p:sp>
@@ -4917,6 +5184,18 @@
   <p:clrMapOvr>
     <a:masterClrMapping/>
   </p:clrMapOvr>
+  <mc:AlternateContent xmlns:mc="http://schemas.openxmlformats.org/markup-compatibility/2006">
+    <mc:Choice xmlns:p15="http://schemas.microsoft.com/office/powerpoint/2012/main" Requires="p15">
+      <p:transition spd="slow">
+        <p15:prstTrans prst="pageCurlDouble"/>
+      </p:transition>
+    </mc:Choice>
+    <mc:Fallback>
+      <p:transition spd="slow">
+        <p:fade/>
+      </p:transition>
+    </mc:Fallback>
+  </mc:AlternateContent>
 </p:sld>
 </file>
 
@@ -5011,7 +5290,7 @@
           <a:bodyPr/>
           <a:lstStyle/>
           <a:p>
-            <a:fld id="{DB02198E-0C1A-4C3C-95A1-633C8C0865DD}" type="datetime1">
+            <a:fld id="{0DE12699-9D25-4180-9027-6FF84F53DB16}" type="datetime1">
               <a:rPr lang="de-AT" smtClean="0"/>
               <a:t>26.04.2022</a:t>
             </a:fld>
@@ -5044,6 +5323,35 @@
               <a:rPr lang="de-AT"/>
               <a:t>Lorenz Kasieczka/Paul Krenmayr</a:t>
             </a:r>
+          </a:p>
+        </p:txBody>
+      </p:sp>
+      <p:sp>
+        <p:nvSpPr>
+          <p:cNvPr id="6" name="Foliennummernplatzhalter 5">
+            <a:extLst>
+              <a:ext uri="{FF2B5EF4-FFF2-40B4-BE49-F238E27FC236}">
+                <a16:creationId xmlns:a16="http://schemas.microsoft.com/office/drawing/2014/main" id="{D9933EBB-F30B-4BF0-B830-741AFB8C039D}"/>
+              </a:ext>
+            </a:extLst>
+          </p:cNvPr>
+          <p:cNvSpPr>
+            <a:spLocks noGrp="1"/>
+          </p:cNvSpPr>
+          <p:nvPr>
+            <p:ph type="sldNum" sz="quarter" idx="12"/>
+          </p:nvPr>
+        </p:nvSpPr>
+        <p:spPr/>
+        <p:txBody>
+          <a:bodyPr/>
+          <a:lstStyle/>
+          <a:p>
+            <a:fld id="{D7BAE821-9E9B-41B7-8CA6-BA01A3168890}" type="slidenum">
+              <a:rPr lang="de-AT" smtClean="0"/>
+              <a:t>13</a:t>
+            </a:fld>
+            <a:endParaRPr lang="de-AT"/>
           </a:p>
         </p:txBody>
       </p:sp>
@@ -5057,6 +5365,18 @@
   <p:clrMapOvr>
     <a:masterClrMapping/>
   </p:clrMapOvr>
+  <mc:AlternateContent xmlns:mc="http://schemas.openxmlformats.org/markup-compatibility/2006">
+    <mc:Choice xmlns:p15="http://schemas.microsoft.com/office/powerpoint/2012/main" Requires="p15">
+      <p:transition spd="slow">
+        <p15:prstTrans prst="pageCurlDouble"/>
+      </p:transition>
+    </mc:Choice>
+    <mc:Fallback>
+      <p:transition spd="slow">
+        <p:fade/>
+      </p:transition>
+    </mc:Fallback>
+  </mc:AlternateContent>
 </p:sld>
 </file>
 
@@ -5155,7 +5475,7 @@
           <a:bodyPr/>
           <a:lstStyle/>
           <a:p>
-            <a:fld id="{F73C2E85-F6B4-40AD-80EC-50414ED1AADF}" type="datetime1">
+            <a:fld id="{FA1D2D77-08FE-4C38-9243-E6A24723525B}" type="datetime1">
               <a:rPr lang="de-AT" smtClean="0"/>
               <a:t>26.04.2022</a:t>
             </a:fld>
@@ -5188,6 +5508,35 @@
               <a:rPr lang="de-AT"/>
               <a:t>Lorenz Kasieczka/Paul Krenmayr</a:t>
             </a:r>
+          </a:p>
+        </p:txBody>
+      </p:sp>
+      <p:sp>
+        <p:nvSpPr>
+          <p:cNvPr id="6" name="Foliennummernplatzhalter 5">
+            <a:extLst>
+              <a:ext uri="{FF2B5EF4-FFF2-40B4-BE49-F238E27FC236}">
+                <a16:creationId xmlns:a16="http://schemas.microsoft.com/office/drawing/2014/main" id="{404E7F26-D0BA-415C-A9AF-800FF0B3CD3B}"/>
+              </a:ext>
+            </a:extLst>
+          </p:cNvPr>
+          <p:cNvSpPr>
+            <a:spLocks noGrp="1"/>
+          </p:cNvSpPr>
+          <p:nvPr>
+            <p:ph type="sldNum" sz="quarter" idx="12"/>
+          </p:nvPr>
+        </p:nvSpPr>
+        <p:spPr/>
+        <p:txBody>
+          <a:bodyPr/>
+          <a:lstStyle/>
+          <a:p>
+            <a:fld id="{D7BAE821-9E9B-41B7-8CA6-BA01A3168890}" type="slidenum">
+              <a:rPr lang="de-AT" smtClean="0"/>
+              <a:t>14</a:t>
+            </a:fld>
+            <a:endParaRPr lang="de-AT"/>
           </a:p>
         </p:txBody>
       </p:sp>
@@ -5201,6 +5550,18 @@
   <p:clrMapOvr>
     <a:masterClrMapping/>
   </p:clrMapOvr>
+  <mc:AlternateContent xmlns:mc="http://schemas.openxmlformats.org/markup-compatibility/2006">
+    <mc:Choice xmlns:p15="http://schemas.microsoft.com/office/powerpoint/2012/main" Requires="p15">
+      <p:transition spd="slow">
+        <p15:prstTrans prst="pageCurlDouble"/>
+      </p:transition>
+    </mc:Choice>
+    <mc:Fallback>
+      <p:transition spd="slow">
+        <p:fade/>
+      </p:transition>
+    </mc:Fallback>
+  </mc:AlternateContent>
 </p:sld>
 </file>
 
@@ -5295,7 +5656,7 @@
           <a:bodyPr/>
           <a:lstStyle/>
           <a:p>
-            <a:fld id="{36C23EC5-C33E-4083-A078-DD56B0BD8074}" type="datetime1">
+            <a:fld id="{814230B7-1404-436D-9084-DC59C87E8AAB}" type="datetime1">
               <a:rPr lang="de-AT" smtClean="0"/>
               <a:t>26.04.2022</a:t>
             </a:fld>
@@ -5328,6 +5689,35 @@
               <a:rPr lang="de-AT"/>
               <a:t>Lorenz Kasieczka/Paul Krenmayr</a:t>
             </a:r>
+          </a:p>
+        </p:txBody>
+      </p:sp>
+      <p:sp>
+        <p:nvSpPr>
+          <p:cNvPr id="6" name="Foliennummernplatzhalter 5">
+            <a:extLst>
+              <a:ext uri="{FF2B5EF4-FFF2-40B4-BE49-F238E27FC236}">
+                <a16:creationId xmlns:a16="http://schemas.microsoft.com/office/drawing/2014/main" id="{5FA5C504-FA85-4139-9935-EDDFB9553233}"/>
+              </a:ext>
+            </a:extLst>
+          </p:cNvPr>
+          <p:cNvSpPr>
+            <a:spLocks noGrp="1"/>
+          </p:cNvSpPr>
+          <p:nvPr>
+            <p:ph type="sldNum" sz="quarter" idx="12"/>
+          </p:nvPr>
+        </p:nvSpPr>
+        <p:spPr/>
+        <p:txBody>
+          <a:bodyPr/>
+          <a:lstStyle/>
+          <a:p>
+            <a:fld id="{D7BAE821-9E9B-41B7-8CA6-BA01A3168890}" type="slidenum">
+              <a:rPr lang="de-AT" smtClean="0"/>
+              <a:t>15</a:t>
+            </a:fld>
+            <a:endParaRPr lang="de-AT"/>
           </a:p>
         </p:txBody>
       </p:sp>
@@ -5341,6 +5731,18 @@
   <p:clrMapOvr>
     <a:masterClrMapping/>
   </p:clrMapOvr>
+  <mc:AlternateContent xmlns:mc="http://schemas.openxmlformats.org/markup-compatibility/2006">
+    <mc:Choice xmlns:p15="http://schemas.microsoft.com/office/powerpoint/2012/main" Requires="p15">
+      <p:transition spd="slow">
+        <p15:prstTrans prst="pageCurlDouble"/>
+      </p:transition>
+    </mc:Choice>
+    <mc:Fallback>
+      <p:transition spd="slow">
+        <p:fade/>
+      </p:transition>
+    </mc:Fallback>
+  </mc:AlternateContent>
 </p:sld>
 </file>
 
@@ -5445,7 +5847,7 @@
           <a:bodyPr/>
           <a:lstStyle/>
           <a:p>
-            <a:fld id="{2915E477-B1BE-4586-B86F-47538B75C5CE}" type="datetime1">
+            <a:fld id="{BC68BDB2-C7B8-4DF6-8F52-CFA31BC0312E}" type="datetime1">
               <a:rPr lang="de-AT" smtClean="0"/>
               <a:t>26.04.2022</a:t>
             </a:fld>
@@ -5478,6 +5880,35 @@
               <a:rPr lang="de-AT"/>
               <a:t>Lorenz Kasieczka/Paul Krenmayr</a:t>
             </a:r>
+          </a:p>
+        </p:txBody>
+      </p:sp>
+      <p:sp>
+        <p:nvSpPr>
+          <p:cNvPr id="6" name="Foliennummernplatzhalter 5">
+            <a:extLst>
+              <a:ext uri="{FF2B5EF4-FFF2-40B4-BE49-F238E27FC236}">
+                <a16:creationId xmlns:a16="http://schemas.microsoft.com/office/drawing/2014/main" id="{610B9FF7-CC72-4B3B-8801-650A1506C0DB}"/>
+              </a:ext>
+            </a:extLst>
+          </p:cNvPr>
+          <p:cNvSpPr>
+            <a:spLocks noGrp="1"/>
+          </p:cNvSpPr>
+          <p:nvPr>
+            <p:ph type="sldNum" sz="quarter" idx="12"/>
+          </p:nvPr>
+        </p:nvSpPr>
+        <p:spPr/>
+        <p:txBody>
+          <a:bodyPr/>
+          <a:lstStyle/>
+          <a:p>
+            <a:fld id="{D7BAE821-9E9B-41B7-8CA6-BA01A3168890}" type="slidenum">
+              <a:rPr lang="de-AT" smtClean="0"/>
+              <a:t>2</a:t>
+            </a:fld>
+            <a:endParaRPr lang="de-AT"/>
           </a:p>
         </p:txBody>
       </p:sp>
@@ -5491,6 +5922,18 @@
   <p:clrMapOvr>
     <a:masterClrMapping/>
   </p:clrMapOvr>
+  <mc:AlternateContent xmlns:mc="http://schemas.openxmlformats.org/markup-compatibility/2006">
+    <mc:Choice xmlns:p15="http://schemas.microsoft.com/office/powerpoint/2012/main" Requires="p15">
+      <p:transition spd="slow">
+        <p15:prstTrans prst="pageCurlDouble"/>
+      </p:transition>
+    </mc:Choice>
+    <mc:Fallback>
+      <p:transition spd="slow">
+        <p:fade/>
+      </p:transition>
+    </mc:Fallback>
+  </mc:AlternateContent>
 </p:sld>
 </file>
 
@@ -5589,7 +6032,7 @@
           <a:bodyPr/>
           <a:lstStyle/>
           <a:p>
-            <a:fld id="{EC7A4AD5-0919-4C0C-9F2B-34AB29693D75}" type="datetime1">
+            <a:fld id="{7EE10D4A-FAF3-4B62-9068-0DC5015D2ACC}" type="datetime1">
               <a:rPr lang="de-AT" smtClean="0"/>
               <a:t>26.04.2022</a:t>
             </a:fld>
@@ -5622,6 +6065,35 @@
               <a:rPr lang="de-AT"/>
               <a:t>Lorenz Kasieczka/Paul Krenmayr</a:t>
             </a:r>
+          </a:p>
+        </p:txBody>
+      </p:sp>
+      <p:sp>
+        <p:nvSpPr>
+          <p:cNvPr id="6" name="Foliennummernplatzhalter 5">
+            <a:extLst>
+              <a:ext uri="{FF2B5EF4-FFF2-40B4-BE49-F238E27FC236}">
+                <a16:creationId xmlns:a16="http://schemas.microsoft.com/office/drawing/2014/main" id="{F93F2083-BACB-4868-8332-64A932ECA02C}"/>
+              </a:ext>
+            </a:extLst>
+          </p:cNvPr>
+          <p:cNvSpPr>
+            <a:spLocks noGrp="1"/>
+          </p:cNvSpPr>
+          <p:nvPr>
+            <p:ph type="sldNum" sz="quarter" idx="12"/>
+          </p:nvPr>
+        </p:nvSpPr>
+        <p:spPr/>
+        <p:txBody>
+          <a:bodyPr/>
+          <a:lstStyle/>
+          <a:p>
+            <a:fld id="{D7BAE821-9E9B-41B7-8CA6-BA01A3168890}" type="slidenum">
+              <a:rPr lang="de-AT" smtClean="0"/>
+              <a:t>3</a:t>
+            </a:fld>
+            <a:endParaRPr lang="de-AT"/>
           </a:p>
         </p:txBody>
       </p:sp>
@@ -5635,6 +6107,18 @@
   <p:clrMapOvr>
     <a:masterClrMapping/>
   </p:clrMapOvr>
+  <mc:AlternateContent xmlns:mc="http://schemas.openxmlformats.org/markup-compatibility/2006">
+    <mc:Choice xmlns:p15="http://schemas.microsoft.com/office/powerpoint/2012/main" Requires="p15">
+      <p:transition spd="slow">
+        <p15:prstTrans prst="pageCurlDouble"/>
+      </p:transition>
+    </mc:Choice>
+    <mc:Fallback>
+      <p:transition spd="slow">
+        <p:fade/>
+      </p:transition>
+    </mc:Fallback>
+  </mc:AlternateContent>
 </p:sld>
 </file>
 
@@ -5733,7 +6217,7 @@
           <a:bodyPr/>
           <a:lstStyle/>
           <a:p>
-            <a:fld id="{CB2218AF-9B40-4CFC-9EA8-A48FC531551C}" type="datetime1">
+            <a:fld id="{46E0DFDF-9E8B-42FA-97FE-D1CE40567963}" type="datetime1">
               <a:rPr lang="de-AT" smtClean="0"/>
               <a:t>26.04.2022</a:t>
             </a:fld>
@@ -5766,6 +6250,35 @@
               <a:rPr lang="de-AT"/>
               <a:t>Lorenz Kasieczka/Paul Krenmayr</a:t>
             </a:r>
+          </a:p>
+        </p:txBody>
+      </p:sp>
+      <p:sp>
+        <p:nvSpPr>
+          <p:cNvPr id="6" name="Foliennummernplatzhalter 5">
+            <a:extLst>
+              <a:ext uri="{FF2B5EF4-FFF2-40B4-BE49-F238E27FC236}">
+                <a16:creationId xmlns:a16="http://schemas.microsoft.com/office/drawing/2014/main" id="{783AA076-29CC-4024-9582-186AF1FCE887}"/>
+              </a:ext>
+            </a:extLst>
+          </p:cNvPr>
+          <p:cNvSpPr>
+            <a:spLocks noGrp="1"/>
+          </p:cNvSpPr>
+          <p:nvPr>
+            <p:ph type="sldNum" sz="quarter" idx="12"/>
+          </p:nvPr>
+        </p:nvSpPr>
+        <p:spPr/>
+        <p:txBody>
+          <a:bodyPr/>
+          <a:lstStyle/>
+          <a:p>
+            <a:fld id="{D7BAE821-9E9B-41B7-8CA6-BA01A3168890}" type="slidenum">
+              <a:rPr lang="de-AT" smtClean="0"/>
+              <a:t>4</a:t>
+            </a:fld>
+            <a:endParaRPr lang="de-AT"/>
           </a:p>
         </p:txBody>
       </p:sp>
@@ -5779,6 +6292,18 @@
   <p:clrMapOvr>
     <a:masterClrMapping/>
   </p:clrMapOvr>
+  <mc:AlternateContent xmlns:mc="http://schemas.openxmlformats.org/markup-compatibility/2006">
+    <mc:Choice xmlns:p15="http://schemas.microsoft.com/office/powerpoint/2012/main" Requires="p15">
+      <p:transition spd="slow">
+        <p15:prstTrans prst="pageCurlDouble"/>
+      </p:transition>
+    </mc:Choice>
+    <mc:Fallback>
+      <p:transition spd="slow">
+        <p:fade/>
+      </p:transition>
+    </mc:Fallback>
+  </mc:AlternateContent>
 </p:sld>
 </file>
 
@@ -5877,7 +6402,7 @@
           <a:bodyPr/>
           <a:lstStyle/>
           <a:p>
-            <a:fld id="{1956250F-417C-40CD-BF55-061161E0914E}" type="datetime1">
+            <a:fld id="{C5C22DF6-2CBC-4037-B64D-084B8BADACB0}" type="datetime1">
               <a:rPr lang="de-AT" smtClean="0"/>
               <a:t>26.04.2022</a:t>
             </a:fld>
@@ -5910,6 +6435,35 @@
               <a:rPr lang="de-AT"/>
               <a:t>Lorenz Kasieczka/Paul Krenmayr</a:t>
             </a:r>
+          </a:p>
+        </p:txBody>
+      </p:sp>
+      <p:sp>
+        <p:nvSpPr>
+          <p:cNvPr id="6" name="Foliennummernplatzhalter 5">
+            <a:extLst>
+              <a:ext uri="{FF2B5EF4-FFF2-40B4-BE49-F238E27FC236}">
+                <a16:creationId xmlns:a16="http://schemas.microsoft.com/office/drawing/2014/main" id="{8A7982C0-CD15-4211-B455-9F1F40BE5017}"/>
+              </a:ext>
+            </a:extLst>
+          </p:cNvPr>
+          <p:cNvSpPr>
+            <a:spLocks noGrp="1"/>
+          </p:cNvSpPr>
+          <p:nvPr>
+            <p:ph type="sldNum" sz="quarter" idx="12"/>
+          </p:nvPr>
+        </p:nvSpPr>
+        <p:spPr/>
+        <p:txBody>
+          <a:bodyPr/>
+          <a:lstStyle/>
+          <a:p>
+            <a:fld id="{D7BAE821-9E9B-41B7-8CA6-BA01A3168890}" type="slidenum">
+              <a:rPr lang="de-AT" smtClean="0"/>
+              <a:t>5</a:t>
+            </a:fld>
+            <a:endParaRPr lang="de-AT"/>
           </a:p>
         </p:txBody>
       </p:sp>
@@ -5923,6 +6477,18 @@
   <p:clrMapOvr>
     <a:masterClrMapping/>
   </p:clrMapOvr>
+  <mc:AlternateContent xmlns:mc="http://schemas.openxmlformats.org/markup-compatibility/2006">
+    <mc:Choice xmlns:p15="http://schemas.microsoft.com/office/powerpoint/2012/main" Requires="p15">
+      <p:transition spd="slow">
+        <p15:prstTrans prst="pageCurlDouble"/>
+      </p:transition>
+    </mc:Choice>
+    <mc:Fallback>
+      <p:transition spd="slow">
+        <p:fade/>
+      </p:transition>
+    </mc:Fallback>
+  </mc:AlternateContent>
 </p:sld>
 </file>
 
@@ -6021,7 +6587,7 @@
           <a:bodyPr/>
           <a:lstStyle/>
           <a:p>
-            <a:fld id="{ACB214B6-D3C5-482B-893D-7750D2C22E01}" type="datetime1">
+            <a:fld id="{44E07A88-AD53-4F3F-AA4D-598411258D47}" type="datetime1">
               <a:rPr lang="de-AT" smtClean="0"/>
               <a:t>26.04.2022</a:t>
             </a:fld>
@@ -6054,6 +6620,35 @@
               <a:rPr lang="de-AT"/>
               <a:t>Lorenz Kasieczka/Paul Krenmayr</a:t>
             </a:r>
+          </a:p>
+        </p:txBody>
+      </p:sp>
+      <p:sp>
+        <p:nvSpPr>
+          <p:cNvPr id="6" name="Foliennummernplatzhalter 5">
+            <a:extLst>
+              <a:ext uri="{FF2B5EF4-FFF2-40B4-BE49-F238E27FC236}">
+                <a16:creationId xmlns:a16="http://schemas.microsoft.com/office/drawing/2014/main" id="{EC77C773-925A-4297-817C-5ECD7414AFC9}"/>
+              </a:ext>
+            </a:extLst>
+          </p:cNvPr>
+          <p:cNvSpPr>
+            <a:spLocks noGrp="1"/>
+          </p:cNvSpPr>
+          <p:nvPr>
+            <p:ph type="sldNum" sz="quarter" idx="12"/>
+          </p:nvPr>
+        </p:nvSpPr>
+        <p:spPr/>
+        <p:txBody>
+          <a:bodyPr/>
+          <a:lstStyle/>
+          <a:p>
+            <a:fld id="{D7BAE821-9E9B-41B7-8CA6-BA01A3168890}" type="slidenum">
+              <a:rPr lang="de-AT" smtClean="0"/>
+              <a:t>6</a:t>
+            </a:fld>
+            <a:endParaRPr lang="de-AT"/>
           </a:p>
         </p:txBody>
       </p:sp>
@@ -6067,6 +6662,18 @@
   <p:clrMapOvr>
     <a:masterClrMapping/>
   </p:clrMapOvr>
+  <mc:AlternateContent xmlns:mc="http://schemas.openxmlformats.org/markup-compatibility/2006">
+    <mc:Choice xmlns:p15="http://schemas.microsoft.com/office/powerpoint/2012/main" Requires="p15">
+      <p:transition spd="slow">
+        <p15:prstTrans prst="pageCurlDouble"/>
+      </p:transition>
+    </mc:Choice>
+    <mc:Fallback>
+      <p:transition spd="slow">
+        <p:fade/>
+      </p:transition>
+    </mc:Fallback>
+  </mc:AlternateContent>
 </p:sld>
 </file>
 
@@ -6136,7 +6743,7 @@
           <a:bodyPr/>
           <a:lstStyle/>
           <a:p>
-            <a:fld id="{61BC7EC1-E367-40F4-9572-C858E0B29D32}" type="datetime1">
+            <a:fld id="{FAA5CE05-FC7B-440D-8F83-401FE01ABAC4}" type="datetime1">
               <a:rPr lang="de-AT" smtClean="0"/>
               <a:t>26.04.2022</a:t>
             </a:fld>
@@ -6201,6 +6808,35 @@
           </a:xfrm>
         </p:spPr>
       </p:pic>
+      <p:sp>
+        <p:nvSpPr>
+          <p:cNvPr id="12" name="Foliennummernplatzhalter 11">
+            <a:extLst>
+              <a:ext uri="{FF2B5EF4-FFF2-40B4-BE49-F238E27FC236}">
+                <a16:creationId xmlns:a16="http://schemas.microsoft.com/office/drawing/2014/main" id="{3F7E49A3-711E-4857-864D-0BFCDB860418}"/>
+              </a:ext>
+            </a:extLst>
+          </p:cNvPr>
+          <p:cNvSpPr>
+            <a:spLocks noGrp="1"/>
+          </p:cNvSpPr>
+          <p:nvPr>
+            <p:ph type="sldNum" sz="quarter" idx="12"/>
+          </p:nvPr>
+        </p:nvSpPr>
+        <p:spPr/>
+        <p:txBody>
+          <a:bodyPr/>
+          <a:lstStyle/>
+          <a:p>
+            <a:fld id="{D7BAE821-9E9B-41B7-8CA6-BA01A3168890}" type="slidenum">
+              <a:rPr lang="de-AT" smtClean="0"/>
+              <a:t>7</a:t>
+            </a:fld>
+            <a:endParaRPr lang="de-AT"/>
+          </a:p>
+        </p:txBody>
+      </p:sp>
     </p:spTree>
     <p:extLst>
       <p:ext uri="{BB962C8B-B14F-4D97-AF65-F5344CB8AC3E}">
@@ -6211,6 +6847,18 @@
   <p:clrMapOvr>
     <a:masterClrMapping/>
   </p:clrMapOvr>
+  <mc:AlternateContent xmlns:mc="http://schemas.openxmlformats.org/markup-compatibility/2006">
+    <mc:Choice xmlns:p15="http://schemas.microsoft.com/office/powerpoint/2012/main" Requires="p15">
+      <p:transition spd="slow">
+        <p15:prstTrans prst="pageCurlDouble"/>
+      </p:transition>
+    </mc:Choice>
+    <mc:Fallback>
+      <p:transition spd="slow">
+        <p:fade/>
+      </p:transition>
+    </mc:Fallback>
+  </mc:AlternateContent>
 </p:sld>
 </file>
 
@@ -6309,7 +6957,7 @@
           <a:bodyPr/>
           <a:lstStyle/>
           <a:p>
-            <a:fld id="{D331C0F3-9E79-4355-8D37-5C2A2FBEC43A}" type="datetime1">
+            <a:fld id="{1C28B801-A961-4B78-B665-EF828C550A1E}" type="datetime1">
               <a:rPr lang="de-AT" smtClean="0"/>
               <a:t>26.04.2022</a:t>
             </a:fld>
@@ -6342,6 +6990,35 @@
               <a:rPr lang="de-AT"/>
               <a:t>Lorenz Kasieczka/Paul Krenmayr</a:t>
             </a:r>
+          </a:p>
+        </p:txBody>
+      </p:sp>
+      <p:sp>
+        <p:nvSpPr>
+          <p:cNvPr id="6" name="Foliennummernplatzhalter 5">
+            <a:extLst>
+              <a:ext uri="{FF2B5EF4-FFF2-40B4-BE49-F238E27FC236}">
+                <a16:creationId xmlns:a16="http://schemas.microsoft.com/office/drawing/2014/main" id="{FA7B5119-A27E-4F1A-AA6F-AAF18F6D6ED4}"/>
+              </a:ext>
+            </a:extLst>
+          </p:cNvPr>
+          <p:cNvSpPr>
+            <a:spLocks noGrp="1"/>
+          </p:cNvSpPr>
+          <p:nvPr>
+            <p:ph type="sldNum" sz="quarter" idx="12"/>
+          </p:nvPr>
+        </p:nvSpPr>
+        <p:spPr/>
+        <p:txBody>
+          <a:bodyPr/>
+          <a:lstStyle/>
+          <a:p>
+            <a:fld id="{D7BAE821-9E9B-41B7-8CA6-BA01A3168890}" type="slidenum">
+              <a:rPr lang="de-AT" smtClean="0"/>
+              <a:t>8</a:t>
+            </a:fld>
+            <a:endParaRPr lang="de-AT"/>
           </a:p>
         </p:txBody>
       </p:sp>
@@ -6355,6 +7032,18 @@
   <p:clrMapOvr>
     <a:masterClrMapping/>
   </p:clrMapOvr>
+  <mc:AlternateContent xmlns:mc="http://schemas.openxmlformats.org/markup-compatibility/2006">
+    <mc:Choice xmlns:p15="http://schemas.microsoft.com/office/powerpoint/2012/main" Requires="p15">
+      <p:transition spd="slow">
+        <p15:prstTrans prst="pageCurlDouble"/>
+      </p:transition>
+    </mc:Choice>
+    <mc:Fallback>
+      <p:transition spd="slow">
+        <p:fade/>
+      </p:transition>
+    </mc:Fallback>
+  </mc:AlternateContent>
 </p:sld>
 </file>
 
@@ -6453,7 +7142,7 @@
           <a:bodyPr/>
           <a:lstStyle/>
           <a:p>
-            <a:fld id="{2D6DCFD0-6736-4A0A-B781-682EA8ED3D66}" type="datetime1">
+            <a:fld id="{E2923789-1F5E-463A-BE0F-B847228DE0BA}" type="datetime1">
               <a:rPr lang="de-AT" smtClean="0"/>
               <a:t>26.04.2022</a:t>
             </a:fld>
@@ -6486,6 +7175,35 @@
               <a:rPr lang="de-AT"/>
               <a:t>Lorenz Kasieczka/Paul Krenmayr</a:t>
             </a:r>
+          </a:p>
+        </p:txBody>
+      </p:sp>
+      <p:sp>
+        <p:nvSpPr>
+          <p:cNvPr id="8" name="Foliennummernplatzhalter 7">
+            <a:extLst>
+              <a:ext uri="{FF2B5EF4-FFF2-40B4-BE49-F238E27FC236}">
+                <a16:creationId xmlns:a16="http://schemas.microsoft.com/office/drawing/2014/main" id="{01970EC9-0D88-44AD-8D24-5168F68676DE}"/>
+              </a:ext>
+            </a:extLst>
+          </p:cNvPr>
+          <p:cNvSpPr>
+            <a:spLocks noGrp="1"/>
+          </p:cNvSpPr>
+          <p:nvPr>
+            <p:ph type="sldNum" sz="quarter" idx="12"/>
+          </p:nvPr>
+        </p:nvSpPr>
+        <p:spPr/>
+        <p:txBody>
+          <a:bodyPr/>
+          <a:lstStyle/>
+          <a:p>
+            <a:fld id="{D7BAE821-9E9B-41B7-8CA6-BA01A3168890}" type="slidenum">
+              <a:rPr lang="de-AT" smtClean="0"/>
+              <a:t>9</a:t>
+            </a:fld>
+            <a:endParaRPr lang="de-AT"/>
           </a:p>
         </p:txBody>
       </p:sp>
@@ -6499,6 +7217,18 @@
   <p:clrMapOvr>
     <a:masterClrMapping/>
   </p:clrMapOvr>
+  <mc:AlternateContent xmlns:mc="http://schemas.openxmlformats.org/markup-compatibility/2006">
+    <mc:Choice xmlns:p15="http://schemas.microsoft.com/office/powerpoint/2012/main" Requires="p15">
+      <p:transition spd="slow">
+        <p15:prstTrans prst="pageCurlDouble"/>
+      </p:transition>
+    </mc:Choice>
+    <mc:Fallback>
+      <p:transition spd="slow">
+        <p:fade/>
+      </p:transition>
+    </mc:Fallback>
+  </mc:AlternateContent>
 </p:sld>
 </file>
 

--- a/LinktList.pptx
+++ b/LinktList.pptx
@@ -6167,12 +6167,98 @@
           </a:p>
         </p:txBody>
       </p:sp>
+      <p:sp>
+        <p:nvSpPr>
+          <p:cNvPr id="3" name="Datumsplatzhalter 2">
+            <a:extLst>
+              <a:ext uri="{FF2B5EF4-FFF2-40B4-BE49-F238E27FC236}">
+                <a16:creationId xmlns:a16="http://schemas.microsoft.com/office/drawing/2014/main" id="{AE013812-97AA-41DC-AD31-7A3F414515D5}"/>
+              </a:ext>
+            </a:extLst>
+          </p:cNvPr>
+          <p:cNvSpPr>
+            <a:spLocks noGrp="1"/>
+          </p:cNvSpPr>
+          <p:nvPr>
+            <p:ph type="dt" sz="half" idx="10"/>
+          </p:nvPr>
+        </p:nvSpPr>
+        <p:spPr/>
+        <p:txBody>
+          <a:bodyPr/>
+          <a:lstStyle/>
+          <a:p>
+            <a:fld id="{46E0DFDF-9E8B-42FA-97FE-D1CE40567963}" type="datetime1">
+              <a:rPr lang="de-AT" smtClean="0"/>
+              <a:t>26.04.2022</a:t>
+            </a:fld>
+            <a:endParaRPr lang="de-AT"/>
+          </a:p>
+        </p:txBody>
+      </p:sp>
+      <p:sp>
+        <p:nvSpPr>
+          <p:cNvPr id="4" name="Fußzeilenplatzhalter 3">
+            <a:extLst>
+              <a:ext uri="{FF2B5EF4-FFF2-40B4-BE49-F238E27FC236}">
+                <a16:creationId xmlns:a16="http://schemas.microsoft.com/office/drawing/2014/main" id="{6197A5E2-F207-489D-A039-16A74AAB9D5E}"/>
+              </a:ext>
+            </a:extLst>
+          </p:cNvPr>
+          <p:cNvSpPr>
+            <a:spLocks noGrp="1"/>
+          </p:cNvSpPr>
+          <p:nvPr>
+            <p:ph type="ftr" sz="quarter" idx="11"/>
+          </p:nvPr>
+        </p:nvSpPr>
+        <p:spPr/>
+        <p:txBody>
+          <a:bodyPr/>
+          <a:lstStyle/>
+          <a:p>
+            <a:r>
+              <a:rPr lang="de-AT"/>
+              <a:t>Lorenz Kasieczka/Paul Krenmayr</a:t>
+            </a:r>
+          </a:p>
+        </p:txBody>
+      </p:sp>
+      <p:sp>
+        <p:nvSpPr>
+          <p:cNvPr id="6" name="Foliennummernplatzhalter 5">
+            <a:extLst>
+              <a:ext uri="{FF2B5EF4-FFF2-40B4-BE49-F238E27FC236}">
+                <a16:creationId xmlns:a16="http://schemas.microsoft.com/office/drawing/2014/main" id="{783AA076-29CC-4024-9582-186AF1FCE887}"/>
+              </a:ext>
+            </a:extLst>
+          </p:cNvPr>
+          <p:cNvSpPr>
+            <a:spLocks noGrp="1"/>
+          </p:cNvSpPr>
+          <p:nvPr>
+            <p:ph type="sldNum" sz="quarter" idx="12"/>
+          </p:nvPr>
+        </p:nvSpPr>
+        <p:spPr/>
+        <p:txBody>
+          <a:bodyPr/>
+          <a:lstStyle/>
+          <a:p>
+            <a:fld id="{D7BAE821-9E9B-41B7-8CA6-BA01A3168890}" type="slidenum">
+              <a:rPr lang="de-AT" smtClean="0"/>
+              <a:t>4</a:t>
+            </a:fld>
+            <a:endParaRPr lang="de-AT"/>
+          </a:p>
+        </p:txBody>
+      </p:sp>
       <p:pic>
         <p:nvPicPr>
-          <p:cNvPr id="5" name="Inhaltsplatzhalter 4">
+          <p:cNvPr id="12" name="Inhaltsplatzhalter 11">
             <a:extLst>
               <a:ext uri="{FF2B5EF4-FFF2-40B4-BE49-F238E27FC236}">
-                <a16:creationId xmlns:a16="http://schemas.microsoft.com/office/drawing/2014/main" id="{01FC42DC-D529-464F-9604-5F9331134C37}"/>
+                <a16:creationId xmlns:a16="http://schemas.microsoft.com/office/drawing/2014/main" id="{FBF5705A-451E-43C5-91DF-1748CF9D6F3D}"/>
               </a:ext>
             </a:extLst>
           </p:cNvPr>
@@ -6191,97 +6277,11 @@
         </p:blipFill>
         <p:spPr>
           <a:xfrm>
-            <a:off x="1176405" y="1967866"/>
-            <a:ext cx="5782674" cy="3859002"/>
+            <a:off x="1340701" y="2052637"/>
+            <a:ext cx="5099010" cy="3148748"/>
           </a:xfrm>
         </p:spPr>
       </p:pic>
-      <p:sp>
-        <p:nvSpPr>
-          <p:cNvPr id="3" name="Datumsplatzhalter 2">
-            <a:extLst>
-              <a:ext uri="{FF2B5EF4-FFF2-40B4-BE49-F238E27FC236}">
-                <a16:creationId xmlns:a16="http://schemas.microsoft.com/office/drawing/2014/main" id="{AE013812-97AA-41DC-AD31-7A3F414515D5}"/>
-              </a:ext>
-            </a:extLst>
-          </p:cNvPr>
-          <p:cNvSpPr>
-            <a:spLocks noGrp="1"/>
-          </p:cNvSpPr>
-          <p:nvPr>
-            <p:ph type="dt" sz="half" idx="10"/>
-          </p:nvPr>
-        </p:nvSpPr>
-        <p:spPr/>
-        <p:txBody>
-          <a:bodyPr/>
-          <a:lstStyle/>
-          <a:p>
-            <a:fld id="{46E0DFDF-9E8B-42FA-97FE-D1CE40567963}" type="datetime1">
-              <a:rPr lang="de-AT" smtClean="0"/>
-              <a:t>26.04.2022</a:t>
-            </a:fld>
-            <a:endParaRPr lang="de-AT"/>
-          </a:p>
-        </p:txBody>
-      </p:sp>
-      <p:sp>
-        <p:nvSpPr>
-          <p:cNvPr id="4" name="Fußzeilenplatzhalter 3">
-            <a:extLst>
-              <a:ext uri="{FF2B5EF4-FFF2-40B4-BE49-F238E27FC236}">
-                <a16:creationId xmlns:a16="http://schemas.microsoft.com/office/drawing/2014/main" id="{6197A5E2-F207-489D-A039-16A74AAB9D5E}"/>
-              </a:ext>
-            </a:extLst>
-          </p:cNvPr>
-          <p:cNvSpPr>
-            <a:spLocks noGrp="1"/>
-          </p:cNvSpPr>
-          <p:nvPr>
-            <p:ph type="ftr" sz="quarter" idx="11"/>
-          </p:nvPr>
-        </p:nvSpPr>
-        <p:spPr/>
-        <p:txBody>
-          <a:bodyPr/>
-          <a:lstStyle/>
-          <a:p>
-            <a:r>
-              <a:rPr lang="de-AT"/>
-              <a:t>Lorenz Kasieczka/Paul Krenmayr</a:t>
-            </a:r>
-          </a:p>
-        </p:txBody>
-      </p:sp>
-      <p:sp>
-        <p:nvSpPr>
-          <p:cNvPr id="6" name="Foliennummernplatzhalter 5">
-            <a:extLst>
-              <a:ext uri="{FF2B5EF4-FFF2-40B4-BE49-F238E27FC236}">
-                <a16:creationId xmlns:a16="http://schemas.microsoft.com/office/drawing/2014/main" id="{783AA076-29CC-4024-9582-186AF1FCE887}"/>
-              </a:ext>
-            </a:extLst>
-          </p:cNvPr>
-          <p:cNvSpPr>
-            <a:spLocks noGrp="1"/>
-          </p:cNvSpPr>
-          <p:nvPr>
-            <p:ph type="sldNum" sz="quarter" idx="12"/>
-          </p:nvPr>
-        </p:nvSpPr>
-        <p:spPr/>
-        <p:txBody>
-          <a:bodyPr/>
-          <a:lstStyle/>
-          <a:p>
-            <a:fld id="{D7BAE821-9E9B-41B7-8CA6-BA01A3168890}" type="slidenum">
-              <a:rPr lang="de-AT" smtClean="0"/>
-              <a:t>4</a:t>
-            </a:fld>
-            <a:endParaRPr lang="de-AT"/>
-          </a:p>
-        </p:txBody>
-      </p:sp>
     </p:spTree>
     <p:extLst>
       <p:ext uri="{BB962C8B-B14F-4D97-AF65-F5344CB8AC3E}">

--- a/LinktList.pptx
+++ b/LinktList.pptx
@@ -5246,31 +5246,6 @@
       </p:sp>
       <p:sp>
         <p:nvSpPr>
-          <p:cNvPr id="3" name="Inhaltsplatzhalter 2">
-            <a:extLst>
-              <a:ext uri="{FF2B5EF4-FFF2-40B4-BE49-F238E27FC236}">
-                <a16:creationId xmlns:a16="http://schemas.microsoft.com/office/drawing/2014/main" id="{873BD0E5-B9CE-44A1-ACF5-A4649FB4AA23}"/>
-              </a:ext>
-            </a:extLst>
-          </p:cNvPr>
-          <p:cNvSpPr>
-            <a:spLocks noGrp="1"/>
-          </p:cNvSpPr>
-          <p:nvPr>
-            <p:ph idx="1"/>
-          </p:nvPr>
-        </p:nvSpPr>
-        <p:spPr/>
-        <p:txBody>
-          <a:bodyPr/>
-          <a:lstStyle/>
-          <a:p>
-            <a:endParaRPr lang="de-AT"/>
-          </a:p>
-        </p:txBody>
-      </p:sp>
-      <p:sp>
-        <p:nvSpPr>
           <p:cNvPr id="4" name="Datumsplatzhalter 3">
             <a:extLst>
               <a:ext uri="{FF2B5EF4-FFF2-40B4-BE49-F238E27FC236}">
@@ -5355,6 +5330,65 @@
           </a:p>
         </p:txBody>
       </p:sp>
+      <p:pic>
+        <p:nvPicPr>
+          <p:cNvPr id="12" name="Inhaltsplatzhalter 11">
+            <a:extLst>
+              <a:ext uri="{FF2B5EF4-FFF2-40B4-BE49-F238E27FC236}">
+                <a16:creationId xmlns:a16="http://schemas.microsoft.com/office/drawing/2014/main" id="{572570F4-9CEF-46B4-B419-00915B33468D}"/>
+              </a:ext>
+            </a:extLst>
+          </p:cNvPr>
+          <p:cNvPicPr>
+            <a:picLocks noGrp="1" noChangeAspect="1"/>
+          </p:cNvPicPr>
+          <p:nvPr>
+            <p:ph idx="1"/>
+          </p:nvPr>
+        </p:nvPicPr>
+        <p:blipFill>
+          <a:blip r:embed="rId2"/>
+          <a:stretch>
+            <a:fillRect/>
+          </a:stretch>
+        </p:blipFill>
+        <p:spPr>
+          <a:xfrm>
+            <a:off x="1097280" y="1828800"/>
+            <a:ext cx="4267200" cy="3200400"/>
+          </a:xfrm>
+        </p:spPr>
+      </p:pic>
+      <p:pic>
+        <p:nvPicPr>
+          <p:cNvPr id="14" name="Grafik 13">
+            <a:extLst>
+              <a:ext uri="{FF2B5EF4-FFF2-40B4-BE49-F238E27FC236}">
+                <a16:creationId xmlns:a16="http://schemas.microsoft.com/office/drawing/2014/main" id="{87231F67-A74F-4A4B-9E3C-C4CD05D8288E}"/>
+              </a:ext>
+            </a:extLst>
+          </p:cNvPr>
+          <p:cNvPicPr>
+            <a:picLocks noChangeAspect="1"/>
+          </p:cNvPicPr>
+          <p:nvPr/>
+        </p:nvPicPr>
+        <p:blipFill>
+          <a:blip r:embed="rId3"/>
+          <a:stretch>
+            <a:fillRect/>
+          </a:stretch>
+        </p:blipFill>
+        <p:spPr>
+          <a:xfrm>
+            <a:off x="5364480" y="1828800"/>
+            <a:ext cx="3419475" cy="2162175"/>
+          </a:xfrm>
+          <a:prstGeom prst="rect">
+            <a:avLst/>
+          </a:prstGeom>
+        </p:spPr>
+      </p:pic>
     </p:spTree>
     <p:extLst>
       <p:ext uri="{BB962C8B-B14F-4D97-AF65-F5344CB8AC3E}">

--- a/LinktList.pptx
+++ b/LinktList.pptx
@@ -5644,31 +5644,35 @@
           </a:p>
         </p:txBody>
       </p:sp>
-      <p:sp>
-        <p:nvSpPr>
-          <p:cNvPr id="3" name="Inhaltsplatzhalter 2">
+      <p:pic>
+        <p:nvPicPr>
+          <p:cNvPr id="8" name="Inhaltsplatzhalter 7">
             <a:extLst>
               <a:ext uri="{FF2B5EF4-FFF2-40B4-BE49-F238E27FC236}">
-                <a16:creationId xmlns:a16="http://schemas.microsoft.com/office/drawing/2014/main" id="{DAE60079-CD82-42A5-85DF-81FDFC7C847E}"/>
+                <a16:creationId xmlns:a16="http://schemas.microsoft.com/office/drawing/2014/main" id="{F2B85BED-C919-430B-BCB3-103EE2660A99}"/>
               </a:ext>
             </a:extLst>
           </p:cNvPr>
-          <p:cNvSpPr>
-            <a:spLocks noGrp="1"/>
-          </p:cNvSpPr>
+          <p:cNvPicPr>
+            <a:picLocks noGrp="1" noChangeAspect="1"/>
+          </p:cNvPicPr>
           <p:nvPr>
             <p:ph idx="1"/>
           </p:nvPr>
-        </p:nvSpPr>
-        <p:spPr/>
-        <p:txBody>
-          <a:bodyPr/>
-          <a:lstStyle/>
-          <a:p>
-            <a:endParaRPr lang="de-AT"/>
-          </a:p>
-        </p:txBody>
-      </p:sp>
+        </p:nvPicPr>
+        <p:blipFill>
+          <a:blip r:embed="rId2"/>
+          <a:stretch>
+            <a:fillRect/>
+          </a:stretch>
+        </p:blipFill>
+        <p:spPr>
+          <a:xfrm>
+            <a:off x="1097280" y="1737360"/>
+            <a:ext cx="5876598" cy="4022725"/>
+          </a:xfrm>
+        </p:spPr>
+      </p:pic>
       <p:sp>
         <p:nvSpPr>
           <p:cNvPr id="4" name="Datumsplatzhalter 3">
@@ -5755,6 +5759,36 @@
           </a:p>
         </p:txBody>
       </p:sp>
+      <p:pic>
+        <p:nvPicPr>
+          <p:cNvPr id="10" name="Grafik 9">
+            <a:extLst>
+              <a:ext uri="{FF2B5EF4-FFF2-40B4-BE49-F238E27FC236}">
+                <a16:creationId xmlns:a16="http://schemas.microsoft.com/office/drawing/2014/main" id="{25A9E719-6A76-4FA9-96EF-7DE0FD05A0BB}"/>
+              </a:ext>
+            </a:extLst>
+          </p:cNvPr>
+          <p:cNvPicPr>
+            <a:picLocks noChangeAspect="1"/>
+          </p:cNvPicPr>
+          <p:nvPr/>
+        </p:nvPicPr>
+        <p:blipFill>
+          <a:blip r:embed="rId3"/>
+          <a:stretch>
+            <a:fillRect/>
+          </a:stretch>
+        </p:blipFill>
+        <p:spPr>
+          <a:xfrm>
+            <a:off x="6797829" y="1737360"/>
+            <a:ext cx="4533900" cy="2714625"/>
+          </a:xfrm>
+          <a:prstGeom prst="rect">
+            <a:avLst/>
+          </a:prstGeom>
+        </p:spPr>
+      </p:pic>
     </p:spTree>
     <p:extLst>
       <p:ext uri="{BB962C8B-B14F-4D97-AF65-F5344CB8AC3E}">
